--- a/1 - Yazılım Teste Giris/Yazılım Testi ve Otomasyonu_w1.pptx
+++ b/1 - Yazılım Teste Giris/Yazılım Testi ve Otomasyonu_w1.pptx
@@ -5,10 +5,10 @@
     <p:sldMasterId id="2147483840" r:id="rId4"/>
   </p:sldMasterIdLst>
   <p:notesMasterIdLst>
-    <p:notesMasterId r:id="rId36"/>
+    <p:notesMasterId r:id="rId39"/>
   </p:notesMasterIdLst>
   <p:handoutMasterIdLst>
-    <p:handoutMasterId r:id="rId37"/>
+    <p:handoutMasterId r:id="rId40"/>
   </p:handoutMasterIdLst>
   <p:sldIdLst>
     <p:sldId id="256" r:id="rId5"/>
@@ -42,6 +42,9 @@
     <p:sldId id="298" r:id="rId33"/>
     <p:sldId id="276" r:id="rId34"/>
     <p:sldId id="300" r:id="rId35"/>
+    <p:sldId id="301" r:id="rId36"/>
+    <p:sldId id="302" r:id="rId37"/>
+    <p:sldId id="303" r:id="rId38"/>
   </p:sldIdLst>
   <p:sldSz cx="12192000" cy="6858000"/>
   <p:notesSz cx="6858000" cy="9144000"/>
@@ -8314,6 +8317,90 @@
     <p:extLst>
       <p:ext uri="{BB962C8B-B14F-4D97-AF65-F5344CB8AC3E}">
         <p14:creationId xmlns:p14="http://schemas.microsoft.com/office/powerpoint/2010/main" val="388590608"/>
+      </p:ext>
+    </p:extLst>
+  </p:cSld>
+  <p:clrMapOvr>
+    <a:masterClrMapping/>
+  </p:clrMapOvr>
+</p:notes>
+</file>
+
+<file path=ppt/notesSlides/notesSlide14.xml><?xml version="1.0" encoding="utf-8"?>
+<p:notes xmlns:a="http://schemas.openxmlformats.org/drawingml/2006/main" xmlns:r="http://schemas.openxmlformats.org/officeDocument/2006/relationships" xmlns:p="http://schemas.openxmlformats.org/presentationml/2006/main">
+  <p:cSld>
+    <p:spTree>
+      <p:nvGrpSpPr>
+        <p:cNvPr id="1" name=""/>
+        <p:cNvGrpSpPr/>
+        <p:nvPr/>
+      </p:nvGrpSpPr>
+      <p:grpSpPr>
+        <a:xfrm>
+          <a:off x="0" y="0"/>
+          <a:ext cx="0" cy="0"/>
+          <a:chOff x="0" y="0"/>
+          <a:chExt cx="0" cy="0"/>
+        </a:xfrm>
+      </p:grpSpPr>
+      <p:sp>
+        <p:nvSpPr>
+          <p:cNvPr id="2" name="Slide Image Placeholder 1"/>
+          <p:cNvSpPr>
+            <a:spLocks noGrp="1" noRot="1" noChangeAspect="1"/>
+          </p:cNvSpPr>
+          <p:nvPr>
+            <p:ph type="sldImg"/>
+          </p:nvPr>
+        </p:nvSpPr>
+        <p:spPr/>
+      </p:sp>
+      <p:sp>
+        <p:nvSpPr>
+          <p:cNvPr id="3" name="Notes Placeholder 2"/>
+          <p:cNvSpPr>
+            <a:spLocks noGrp="1"/>
+          </p:cNvSpPr>
+          <p:nvPr>
+            <p:ph type="body" idx="1"/>
+          </p:nvPr>
+        </p:nvSpPr>
+        <p:spPr/>
+        <p:txBody>
+          <a:bodyPr/>
+          <a:lstStyle/>
+          <a:p>
+            <a:endParaRPr lang="en-US" dirty="0"/>
+          </a:p>
+        </p:txBody>
+      </p:sp>
+      <p:sp>
+        <p:nvSpPr>
+          <p:cNvPr id="4" name="Slide Number Placeholder 3"/>
+          <p:cNvSpPr>
+            <a:spLocks noGrp="1"/>
+          </p:cNvSpPr>
+          <p:nvPr>
+            <p:ph type="sldNum" sz="quarter" idx="10"/>
+          </p:nvPr>
+        </p:nvSpPr>
+        <p:spPr/>
+        <p:txBody>
+          <a:bodyPr/>
+          <a:lstStyle/>
+          <a:p>
+            <a:fld id="{A3F167F0-0840-1348-BFE4-C6298BBC0698}" type="slidenum">
+              <a:rPr lang="en-US" smtClean="0"/>
+              <a:t>33</a:t>
+            </a:fld>
+            <a:endParaRPr lang="en-US" dirty="0"/>
+          </a:p>
+        </p:txBody>
+      </p:sp>
+    </p:spTree>
+    <p:extLst>
+      <p:ext uri="{BB962C8B-B14F-4D97-AF65-F5344CB8AC3E}">
+        <p14:creationId xmlns:p14="http://schemas.microsoft.com/office/powerpoint/2010/main" val="2640769608"/>
       </p:ext>
     </p:extLst>
   </p:cSld>
@@ -46527,8 +46614,8 @@
         </p:nvSpPr>
         <p:spPr>
           <a:xfrm>
-            <a:off x="410308" y="2406650"/>
-            <a:ext cx="11605846" cy="3477682"/>
+            <a:off x="351692" y="1621204"/>
+            <a:ext cx="11605846" cy="3337658"/>
           </a:xfrm>
         </p:spPr>
         <p:txBody>
@@ -46956,29 +47043,24 @@
             <a:pPr algn="l"/>
             <a:r>
               <a:rPr lang="tr-TR" sz="1600" dirty="0" smtClean="0"/>
-              <a:t>1- </a:t>
+              <a:t>- Bilgisayarlarınıza Git </a:t>
             </a:r>
             <a:r>
               <a:rPr lang="tr-TR" sz="1600" dirty="0" err="1" smtClean="0"/>
-              <a:t>Download</a:t>
+              <a:t>bash</a:t>
             </a:r>
             <a:r>
               <a:rPr lang="tr-TR" sz="1600" dirty="0" smtClean="0"/>
-              <a:t> Git </a:t>
+              <a:t> indirip kurunuz, kurulu ise Git </a:t>
             </a:r>
             <a:r>
               <a:rPr lang="tr-TR" sz="1600" dirty="0" err="1" smtClean="0"/>
-              <a:t>Bash</a:t>
-            </a:r>
-            <a:endParaRPr lang="tr-TR" sz="1600" dirty="0" smtClean="0"/>
-          </a:p>
-          <a:p>
-            <a:pPr algn="l"/>
-            <a:r>
-              <a:rPr lang="tr-TR" sz="1600" smtClean="0"/>
-              <a:t>2- </a:t>
-            </a:r>
-            <a:endParaRPr lang="en-US" sz="1600" dirty="0"/>
+              <a:t>bash</a:t>
+            </a:r>
+            <a:r>
+              <a:rPr lang="tr-TR" sz="1600" dirty="0" smtClean="0"/>
+              <a:t> ekranını açınız.</a:t>
+            </a:r>
           </a:p>
         </p:txBody>
       </p:sp>
@@ -46986,6 +47068,360 @@
     <p:extLst>
       <p:ext uri="{BB962C8B-B14F-4D97-AF65-F5344CB8AC3E}">
         <p14:creationId xmlns:p14="http://schemas.microsoft.com/office/powerpoint/2010/main" val="1829494197"/>
+      </p:ext>
+    </p:extLst>
+  </p:cSld>
+  <p:clrMapOvr>
+    <a:masterClrMapping/>
+  </p:clrMapOvr>
+</p:sld>
+</file>
+
+<file path=ppt/slides/slide32.xml><?xml version="1.0" encoding="utf-8"?>
+<p:sld xmlns:a="http://schemas.openxmlformats.org/drawingml/2006/main" xmlns:r="http://schemas.openxmlformats.org/officeDocument/2006/relationships" xmlns:p="http://schemas.openxmlformats.org/presentationml/2006/main">
+  <p:cSld>
+    <p:spTree>
+      <p:nvGrpSpPr>
+        <p:cNvPr id="1" name=""/>
+        <p:cNvGrpSpPr/>
+        <p:nvPr/>
+      </p:nvGrpSpPr>
+      <p:grpSpPr>
+        <a:xfrm>
+          <a:off x="0" y="0"/>
+          <a:ext cx="0" cy="0"/>
+          <a:chOff x="0" y="0"/>
+          <a:chExt cx="0" cy="0"/>
+        </a:xfrm>
+      </p:grpSpPr>
+      <p:sp>
+        <p:nvSpPr>
+          <p:cNvPr id="2" name="Title 1"/>
+          <p:cNvSpPr>
+            <a:spLocks noGrp="1"/>
+          </p:cNvSpPr>
+          <p:nvPr>
+            <p:ph type="title"/>
+          </p:nvPr>
+        </p:nvSpPr>
+        <p:spPr>
+          <a:xfrm>
+            <a:off x="1946031" y="949325"/>
+            <a:ext cx="10656277" cy="706964"/>
+          </a:xfrm>
+        </p:spPr>
+        <p:txBody>
+          <a:bodyPr/>
+          <a:lstStyle/>
+          <a:p>
+            <a:r>
+              <a:rPr lang="tr-TR" dirty="0" smtClean="0"/>
+              <a:t>Remote repoya proje gönderme</a:t>
+            </a:r>
+            <a:endParaRPr lang="en-US" dirty="0"/>
+          </a:p>
+        </p:txBody>
+      </p:sp>
+      <p:sp>
+        <p:nvSpPr>
+          <p:cNvPr id="3" name="Slide Number Placeholder 2"/>
+          <p:cNvSpPr>
+            <a:spLocks noGrp="1"/>
+          </p:cNvSpPr>
+          <p:nvPr>
+            <p:ph type="sldNum" sz="quarter" idx="12"/>
+          </p:nvPr>
+        </p:nvSpPr>
+        <p:spPr/>
+        <p:txBody>
+          <a:bodyPr/>
+          <a:lstStyle/>
+          <a:p>
+            <a:fld id="{9FF96B15-8338-45D5-A943-561235072D66}" type="slidenum">
+              <a:rPr lang="en-US" noProof="0" smtClean="0"/>
+              <a:t>32</a:t>
+            </a:fld>
+            <a:endParaRPr lang="en-US" noProof="0" dirty="0"/>
+          </a:p>
+        </p:txBody>
+      </p:sp>
+      <p:sp>
+        <p:nvSpPr>
+          <p:cNvPr id="4" name="Text Placeholder 3"/>
+          <p:cNvSpPr>
+            <a:spLocks noGrp="1"/>
+          </p:cNvSpPr>
+          <p:nvPr>
+            <p:ph type="body" sz="quarter" idx="13"/>
+          </p:nvPr>
+        </p:nvSpPr>
+        <p:spPr/>
+        <p:txBody>
+          <a:bodyPr/>
+          <a:lstStyle/>
+          <a:p>
+            <a:endParaRPr lang="en-US"/>
+          </a:p>
+        </p:txBody>
+      </p:sp>
+      <p:pic>
+        <p:nvPicPr>
+          <p:cNvPr id="5" name="Picture 4"/>
+          <p:cNvPicPr>
+            <a:picLocks noChangeAspect="1"/>
+          </p:cNvPicPr>
+          <p:nvPr/>
+        </p:nvPicPr>
+        <p:blipFill>
+          <a:blip r:embed="rId2"/>
+          <a:stretch>
+            <a:fillRect/>
+          </a:stretch>
+        </p:blipFill>
+        <p:spPr>
+          <a:xfrm>
+            <a:off x="3048000" y="2181591"/>
+            <a:ext cx="6096000" cy="4581525"/>
+          </a:xfrm>
+          <a:prstGeom prst="rect">
+            <a:avLst/>
+          </a:prstGeom>
+        </p:spPr>
+      </p:pic>
+    </p:spTree>
+    <p:extLst>
+      <p:ext uri="{BB962C8B-B14F-4D97-AF65-F5344CB8AC3E}">
+        <p14:creationId xmlns:p14="http://schemas.microsoft.com/office/powerpoint/2010/main" val="384451483"/>
+      </p:ext>
+    </p:extLst>
+  </p:cSld>
+  <p:clrMapOvr>
+    <a:masterClrMapping/>
+  </p:clrMapOvr>
+</p:sld>
+</file>
+
+<file path=ppt/slides/slide33.xml><?xml version="1.0" encoding="utf-8"?>
+<p:sld xmlns:a="http://schemas.openxmlformats.org/drawingml/2006/main" xmlns:r="http://schemas.openxmlformats.org/officeDocument/2006/relationships" xmlns:p="http://schemas.openxmlformats.org/presentationml/2006/main">
+  <p:cSld>
+    <p:spTree>
+      <p:nvGrpSpPr>
+        <p:cNvPr id="1" name=""/>
+        <p:cNvGrpSpPr/>
+        <p:nvPr/>
+      </p:nvGrpSpPr>
+      <p:grpSpPr>
+        <a:xfrm>
+          <a:off x="0" y="0"/>
+          <a:ext cx="0" cy="0"/>
+          <a:chOff x="0" y="0"/>
+          <a:chExt cx="0" cy="0"/>
+        </a:xfrm>
+      </p:grpSpPr>
+      <p:sp>
+        <p:nvSpPr>
+          <p:cNvPr id="2" name="Title 1"/>
+          <p:cNvSpPr>
+            <a:spLocks noGrp="1"/>
+          </p:cNvSpPr>
+          <p:nvPr>
+            <p:ph type="title"/>
+          </p:nvPr>
+        </p:nvSpPr>
+        <p:spPr>
+          <a:xfrm>
+            <a:off x="2245199" y="891607"/>
+            <a:ext cx="8761413" cy="706964"/>
+          </a:xfrm>
+        </p:spPr>
+        <p:txBody>
+          <a:bodyPr/>
+          <a:lstStyle/>
+          <a:p>
+            <a:r>
+              <a:rPr lang="tr-TR" dirty="0" smtClean="0"/>
+              <a:t>Remote </a:t>
+            </a:r>
+            <a:r>
+              <a:rPr lang="tr-TR" dirty="0" err="1" smtClean="0"/>
+              <a:t>repo’yu</a:t>
+            </a:r>
+            <a:r>
+              <a:rPr lang="tr-TR" dirty="0" smtClean="0"/>
+              <a:t> lokal </a:t>
+            </a:r>
+            <a:r>
+              <a:rPr lang="tr-TR" dirty="0" err="1" smtClean="0"/>
+              <a:t>pc’ye</a:t>
+            </a:r>
+            <a:r>
+              <a:rPr lang="tr-TR" dirty="0" smtClean="0"/>
+              <a:t> alma</a:t>
+            </a:r>
+            <a:endParaRPr lang="en-US" dirty="0"/>
+          </a:p>
+        </p:txBody>
+      </p:sp>
+      <p:sp>
+        <p:nvSpPr>
+          <p:cNvPr id="3" name="Slide Number Placeholder 2"/>
+          <p:cNvSpPr>
+            <a:spLocks noGrp="1"/>
+          </p:cNvSpPr>
+          <p:nvPr>
+            <p:ph type="sldNum" sz="quarter" idx="12"/>
+          </p:nvPr>
+        </p:nvSpPr>
+        <p:spPr/>
+        <p:txBody>
+          <a:bodyPr/>
+          <a:lstStyle/>
+          <a:p>
+            <a:fld id="{9FF96B15-8338-45D5-A943-561235072D66}" type="slidenum">
+              <a:rPr lang="en-US" noProof="0" smtClean="0"/>
+              <a:t>33</a:t>
+            </a:fld>
+            <a:endParaRPr lang="en-US" noProof="0" dirty="0"/>
+          </a:p>
+        </p:txBody>
+      </p:sp>
+      <p:pic>
+        <p:nvPicPr>
+          <p:cNvPr id="5" name="Picture 4"/>
+          <p:cNvPicPr>
+            <a:picLocks noChangeAspect="1"/>
+          </p:cNvPicPr>
+          <p:nvPr/>
+        </p:nvPicPr>
+        <p:blipFill>
+          <a:blip r:embed="rId3"/>
+          <a:stretch>
+            <a:fillRect/>
+          </a:stretch>
+        </p:blipFill>
+        <p:spPr>
+          <a:xfrm>
+            <a:off x="2356338" y="2977662"/>
+            <a:ext cx="7196268" cy="2632481"/>
+          </a:xfrm>
+          <a:prstGeom prst="rect">
+            <a:avLst/>
+          </a:prstGeom>
+        </p:spPr>
+      </p:pic>
+    </p:spTree>
+    <p:extLst>
+      <p:ext uri="{BB962C8B-B14F-4D97-AF65-F5344CB8AC3E}">
+        <p14:creationId xmlns:p14="http://schemas.microsoft.com/office/powerpoint/2010/main" val="705514204"/>
+      </p:ext>
+    </p:extLst>
+  </p:cSld>
+  <p:clrMapOvr>
+    <a:masterClrMapping/>
+  </p:clrMapOvr>
+</p:sld>
+</file>
+
+<file path=ppt/slides/slide34.xml><?xml version="1.0" encoding="utf-8"?>
+<p:sld xmlns:a="http://schemas.openxmlformats.org/drawingml/2006/main" xmlns:r="http://schemas.openxmlformats.org/officeDocument/2006/relationships" xmlns:p="http://schemas.openxmlformats.org/presentationml/2006/main">
+  <p:cSld>
+    <p:spTree>
+      <p:nvGrpSpPr>
+        <p:cNvPr id="1" name=""/>
+        <p:cNvGrpSpPr/>
+        <p:nvPr/>
+      </p:nvGrpSpPr>
+      <p:grpSpPr>
+        <a:xfrm>
+          <a:off x="0" y="0"/>
+          <a:ext cx="0" cy="0"/>
+          <a:chOff x="0" y="0"/>
+          <a:chExt cx="0" cy="0"/>
+        </a:xfrm>
+      </p:grpSpPr>
+      <p:sp>
+        <p:nvSpPr>
+          <p:cNvPr id="2" name="Title 1"/>
+          <p:cNvSpPr>
+            <a:spLocks noGrp="1"/>
+          </p:cNvSpPr>
+          <p:nvPr>
+            <p:ph type="title"/>
+          </p:nvPr>
+        </p:nvSpPr>
+        <p:spPr>
+          <a:xfrm>
+            <a:off x="2010226" y="926776"/>
+            <a:ext cx="8761413" cy="706964"/>
+          </a:xfrm>
+        </p:spPr>
+        <p:txBody>
+          <a:bodyPr/>
+          <a:lstStyle/>
+          <a:p>
+            <a:r>
+              <a:rPr lang="tr-TR" dirty="0" smtClean="0"/>
+              <a:t>Lokaldeki değişikliği </a:t>
+            </a:r>
+            <a:r>
+              <a:rPr lang="tr-TR" dirty="0" err="1" smtClean="0"/>
+              <a:t>commitleme</a:t>
+            </a:r>
+            <a:endParaRPr lang="en-US" dirty="0"/>
+          </a:p>
+        </p:txBody>
+      </p:sp>
+      <p:sp>
+        <p:nvSpPr>
+          <p:cNvPr id="3" name="Slide Number Placeholder 2"/>
+          <p:cNvSpPr>
+            <a:spLocks noGrp="1"/>
+          </p:cNvSpPr>
+          <p:nvPr>
+            <p:ph type="sldNum" sz="quarter" idx="12"/>
+          </p:nvPr>
+        </p:nvSpPr>
+        <p:spPr/>
+        <p:txBody>
+          <a:bodyPr/>
+          <a:lstStyle/>
+          <a:p>
+            <a:fld id="{9FF96B15-8338-45D5-A943-561235072D66}" type="slidenum">
+              <a:rPr lang="en-US" noProof="0" smtClean="0"/>
+              <a:t>34</a:t>
+            </a:fld>
+            <a:endParaRPr lang="en-US" noProof="0" dirty="0"/>
+          </a:p>
+        </p:txBody>
+      </p:sp>
+      <p:pic>
+        <p:nvPicPr>
+          <p:cNvPr id="5" name="Picture 4"/>
+          <p:cNvPicPr>
+            <a:picLocks noChangeAspect="1"/>
+          </p:cNvPicPr>
+          <p:nvPr/>
+        </p:nvPicPr>
+        <p:blipFill>
+          <a:blip r:embed="rId2"/>
+          <a:stretch>
+            <a:fillRect/>
+          </a:stretch>
+        </p:blipFill>
+        <p:spPr>
+          <a:xfrm>
+            <a:off x="3088297" y="2480206"/>
+            <a:ext cx="6454287" cy="4051745"/>
+          </a:xfrm>
+          <a:prstGeom prst="rect">
+            <a:avLst/>
+          </a:prstGeom>
+        </p:spPr>
+      </p:pic>
+    </p:spTree>
+    <p:extLst>
+      <p:ext uri="{BB962C8B-B14F-4D97-AF65-F5344CB8AC3E}">
+        <p14:creationId xmlns:p14="http://schemas.microsoft.com/office/powerpoint/2010/main" val="539015221"/>
       </p:ext>
     </p:extLst>
   </p:cSld>

--- a/1 - Yazılım Teste Giris/Yazılım Testi ve Otomasyonu_w1.pptx
+++ b/1 - Yazılım Teste Giris/Yazılım Testi ve Otomasyonu_w1.pptx
@@ -30063,6 +30063,252 @@
           </a:p>
         </p:txBody>
       </p:sp>
+      <p:sp>
+        <p:nvSpPr>
+          <p:cNvPr id="6" name="Metin kutusu 4">
+            <a:extLst>
+              <a:ext uri="{FF2B5EF4-FFF2-40B4-BE49-F238E27FC236}">
+                <a16:creationId xmlns:a16="http://schemas.microsoft.com/office/drawing/2014/main" id="{7D18442F-03DB-48A8-A1D6-4BD419280380}"/>
+              </a:ext>
+            </a:extLst>
+          </p:cNvPr>
+          <p:cNvSpPr txBox="1"/>
+          <p:nvPr/>
+        </p:nvSpPr>
+        <p:spPr>
+          <a:xfrm>
+            <a:off x="8312473" y="4923354"/>
+            <a:ext cx="3389670" cy="338554"/>
+          </a:xfrm>
+          <a:prstGeom prst="rect">
+            <a:avLst/>
+          </a:prstGeom>
+          <a:noFill/>
+        </p:spPr>
+        <p:txBody>
+          <a:bodyPr wrap="square" rtlCol="0">
+            <a:spAutoFit/>
+          </a:bodyPr>
+          <a:lstStyle/>
+          <a:p>
+            <a:r>
+              <a:rPr lang="tr-TR" sz="1600" b="1" dirty="0"/>
+              <a:t>handanyarici@gmail.com</a:t>
+            </a:r>
+          </a:p>
+        </p:txBody>
+      </p:sp>
+      <p:pic>
+        <p:nvPicPr>
+          <p:cNvPr id="7" name="Picture 8" descr="Görsel sonucu">
+            <a:extLst>
+              <a:ext uri="{FF2B5EF4-FFF2-40B4-BE49-F238E27FC236}">
+                <a16:creationId xmlns:a16="http://schemas.microsoft.com/office/drawing/2014/main" id="{97302985-C5D0-448B-ABE6-5F95F776A39E}"/>
+              </a:ext>
+            </a:extLst>
+          </p:cNvPr>
+          <p:cNvPicPr>
+            <a:picLocks noChangeAspect="1" noChangeArrowheads="1"/>
+          </p:cNvPicPr>
+          <p:nvPr/>
+        </p:nvPicPr>
+        <p:blipFill>
+          <a:blip r:embed="rId2" cstate="hqprint">
+            <a:extLst>
+              <a:ext uri="{28A0092B-C50C-407E-A947-70E740481C1C}">
+                <a14:useLocalDpi xmlns:a14="http://schemas.microsoft.com/office/drawing/2010/main" val="0"/>
+              </a:ext>
+            </a:extLst>
+          </a:blip>
+          <a:srcRect/>
+          <a:stretch>
+            <a:fillRect/>
+          </a:stretch>
+        </p:blipFill>
+        <p:spPr bwMode="auto">
+          <a:xfrm flipH="1">
+            <a:off x="8044542" y="5011634"/>
+            <a:ext cx="218911" cy="161994"/>
+          </a:xfrm>
+          <a:prstGeom prst="rect">
+            <a:avLst/>
+          </a:prstGeom>
+          <a:noFill/>
+          <a:extLst>
+            <a:ext uri="{909E8E84-426E-40DD-AFC4-6F175D3DCCD1}">
+              <a14:hiddenFill xmlns:a14="http://schemas.microsoft.com/office/drawing/2010/main">
+                <a:solidFill>
+                  <a:srgbClr val="FFFFFF"/>
+                </a:solidFill>
+              </a14:hiddenFill>
+            </a:ext>
+          </a:extLst>
+        </p:spPr>
+      </p:pic>
+      <p:pic>
+        <p:nvPicPr>
+          <p:cNvPr id="8" name="Picture 2" descr="İlgili resim">
+            <a:extLst>
+              <a:ext uri="{FF2B5EF4-FFF2-40B4-BE49-F238E27FC236}">
+                <a16:creationId xmlns:a16="http://schemas.microsoft.com/office/drawing/2014/main" id="{A6DD29CC-332F-4E5D-B201-18EFCAB6B83D}"/>
+              </a:ext>
+            </a:extLst>
+          </p:cNvPr>
+          <p:cNvPicPr>
+            <a:picLocks noChangeAspect="1" noChangeArrowheads="1"/>
+          </p:cNvPicPr>
+          <p:nvPr/>
+        </p:nvPicPr>
+        <p:blipFill>
+          <a:blip r:embed="rId3" cstate="hqprint">
+            <a:extLst>
+              <a:ext uri="{28A0092B-C50C-407E-A947-70E740481C1C}">
+                <a14:useLocalDpi xmlns:a14="http://schemas.microsoft.com/office/drawing/2010/main" val="0"/>
+              </a:ext>
+            </a:extLst>
+          </a:blip>
+          <a:srcRect/>
+          <a:stretch>
+            <a:fillRect/>
+          </a:stretch>
+        </p:blipFill>
+        <p:spPr bwMode="auto">
+          <a:xfrm>
+            <a:off x="8027084" y="5302900"/>
+            <a:ext cx="253825" cy="329007"/>
+          </a:xfrm>
+          <a:prstGeom prst="rect">
+            <a:avLst/>
+          </a:prstGeom>
+          <a:noFill/>
+          <a:extLst>
+            <a:ext uri="{909E8E84-426E-40DD-AFC4-6F175D3DCCD1}">
+              <a14:hiddenFill xmlns:a14="http://schemas.microsoft.com/office/drawing/2010/main">
+                <a:solidFill>
+                  <a:srgbClr val="FFFFFF"/>
+                </a:solidFill>
+              </a14:hiddenFill>
+            </a:ext>
+          </a:extLst>
+        </p:spPr>
+      </p:pic>
+      <p:sp>
+        <p:nvSpPr>
+          <p:cNvPr id="9" name="Metin kutusu 3">
+            <a:extLst>
+              <a:ext uri="{FF2B5EF4-FFF2-40B4-BE49-F238E27FC236}">
+                <a16:creationId xmlns:a16="http://schemas.microsoft.com/office/drawing/2014/main" id="{DAC5B2A2-6239-470C-B0AE-28F7E44D0BE7}"/>
+              </a:ext>
+            </a:extLst>
+          </p:cNvPr>
+          <p:cNvSpPr txBox="1"/>
+          <p:nvPr/>
+        </p:nvSpPr>
+        <p:spPr>
+          <a:xfrm>
+            <a:off x="8312473" y="5320434"/>
+            <a:ext cx="3235717" cy="338554"/>
+          </a:xfrm>
+          <a:prstGeom prst="rect">
+            <a:avLst/>
+          </a:prstGeom>
+          <a:noFill/>
+        </p:spPr>
+        <p:txBody>
+          <a:bodyPr wrap="square" rtlCol="0">
+            <a:spAutoFit/>
+          </a:bodyPr>
+          <a:lstStyle/>
+          <a:p>
+            <a:r>
+              <a:rPr lang="tr-TR" sz="1600" b="1" dirty="0"/>
+              <a:t>linkedin.com/in/handanyarici</a:t>
+            </a:r>
+          </a:p>
+        </p:txBody>
+      </p:sp>
+      <p:pic>
+        <p:nvPicPr>
+          <p:cNvPr id="10" name="Picture 4" descr="github ile ilgili görsel sonucu">
+            <a:extLst>
+              <a:ext uri="{FF2B5EF4-FFF2-40B4-BE49-F238E27FC236}">
+                <a16:creationId xmlns:a16="http://schemas.microsoft.com/office/drawing/2014/main" id="{668E71A2-CD73-46F4-A6F2-AD420734634D}"/>
+              </a:ext>
+            </a:extLst>
+          </p:cNvPr>
+          <p:cNvPicPr>
+            <a:picLocks noChangeAspect="1" noChangeArrowheads="1"/>
+          </p:cNvPicPr>
+          <p:nvPr/>
+        </p:nvPicPr>
+        <p:blipFill>
+          <a:blip r:embed="rId4" cstate="hqprint">
+            <a:extLst>
+              <a:ext uri="{28A0092B-C50C-407E-A947-70E740481C1C}">
+                <a14:useLocalDpi xmlns:a14="http://schemas.microsoft.com/office/drawing/2010/main" val="0"/>
+              </a:ext>
+            </a:extLst>
+          </a:blip>
+          <a:srcRect/>
+          <a:stretch>
+            <a:fillRect/>
+          </a:stretch>
+        </p:blipFill>
+        <p:spPr bwMode="auto">
+          <a:xfrm>
+            <a:off x="7645734" y="5618921"/>
+            <a:ext cx="1016526" cy="508264"/>
+          </a:xfrm>
+          <a:prstGeom prst="rect">
+            <a:avLst/>
+          </a:prstGeom>
+          <a:noFill/>
+          <a:extLst>
+            <a:ext uri="{909E8E84-426E-40DD-AFC4-6F175D3DCCD1}">
+              <a14:hiddenFill xmlns:a14="http://schemas.microsoft.com/office/drawing/2010/main">
+                <a:solidFill>
+                  <a:srgbClr val="FFFFFF"/>
+                </a:solidFill>
+              </a14:hiddenFill>
+            </a:ext>
+          </a:extLst>
+        </p:spPr>
+      </p:pic>
+      <p:sp>
+        <p:nvSpPr>
+          <p:cNvPr id="11" name="Metin kutusu 4">
+            <a:extLst>
+              <a:ext uri="{FF2B5EF4-FFF2-40B4-BE49-F238E27FC236}">
+                <a16:creationId xmlns:a16="http://schemas.microsoft.com/office/drawing/2014/main" id="{A5DF2B4E-4BC0-4948-9966-232899755A30}"/>
+              </a:ext>
+            </a:extLst>
+          </p:cNvPr>
+          <p:cNvSpPr txBox="1"/>
+          <p:nvPr/>
+        </p:nvSpPr>
+        <p:spPr>
+          <a:xfrm>
+            <a:off x="8282690" y="5726010"/>
+            <a:ext cx="3182478" cy="338554"/>
+          </a:xfrm>
+          <a:prstGeom prst="rect">
+            <a:avLst/>
+          </a:prstGeom>
+          <a:noFill/>
+        </p:spPr>
+        <p:txBody>
+          <a:bodyPr wrap="square" rtlCol="0">
+            <a:spAutoFit/>
+          </a:bodyPr>
+          <a:lstStyle/>
+          <a:p>
+            <a:r>
+              <a:rPr lang="tr-TR" sz="1600" b="1" dirty="0"/>
+              <a:t>github.com/handanyarici</a:t>
+            </a:r>
+          </a:p>
+        </p:txBody>
+      </p:sp>
     </p:spTree>
     <p:extLst>
       <p:ext uri="{BB962C8B-B14F-4D97-AF65-F5344CB8AC3E}">
@@ -33865,11 +34111,7 @@
           <a:p>
             <a:r>
               <a:rPr lang="tr-TR" dirty="0" smtClean="0"/>
-              <a:t>ISTQB Test </a:t>
-            </a:r>
-            <a:r>
-              <a:rPr lang="tr-TR" dirty="0" smtClean="0"/>
-              <a:t>Prensipleri</a:t>
+              <a:t>ISTQB Test Prensipleri</a:t>
             </a:r>
             <a:endParaRPr lang="en-US" dirty="0"/>
           </a:p>
@@ -36558,11 +36800,7 @@
           <a:p>
             <a:r>
               <a:rPr lang="tr-TR" dirty="0" smtClean="0"/>
-              <a:t>ISTQB Test </a:t>
-            </a:r>
-            <a:r>
-              <a:rPr lang="tr-TR" dirty="0" smtClean="0"/>
-              <a:t>Prensipleri</a:t>
+              <a:t>ISTQB Test Prensipleri</a:t>
             </a:r>
             <a:endParaRPr lang="en-US" dirty="0"/>
           </a:p>
@@ -38638,7 +38876,7 @@
           <a:blip r:embed="rId2">
             <a:extLst>
               <a:ext uri="{96DAC541-7B7A-43D3-8B79-37D633B846F1}">
-                <asvg:svgBlip xmlns="" xmlns:asvg="http://schemas.microsoft.com/office/drawing/2016/SVG/main" r:embed="rId3"/>
+                <asvg:svgBlip xmlns:asvg="http://schemas.microsoft.com/office/drawing/2016/SVG/main" xmlns="" r:embed="rId3"/>
               </a:ext>
             </a:extLst>
           </a:blip>
@@ -38716,7 +38954,7 @@
                 <a14:useLocalDpi xmlns:a14="http://schemas.microsoft.com/office/drawing/2010/main" val="0"/>
               </a:ext>
               <a:ext uri="{96DAC541-7B7A-43D3-8B79-37D633B846F1}">
-                <asvg:svgBlip xmlns="" xmlns:asvg="http://schemas.microsoft.com/office/drawing/2016/SVG/main" r:embed="rId5"/>
+                <asvg:svgBlip xmlns:asvg="http://schemas.microsoft.com/office/drawing/2016/SVG/main" xmlns="" r:embed="rId5"/>
               </a:ext>
             </a:extLst>
           </a:blip>
@@ -38811,7 +39049,7 @@
                 <a14:useLocalDpi xmlns:a14="http://schemas.microsoft.com/office/drawing/2010/main" val="0"/>
               </a:ext>
               <a:ext uri="{96DAC541-7B7A-43D3-8B79-37D633B846F1}">
-                <asvg:svgBlip xmlns="" xmlns:asvg="http://schemas.microsoft.com/office/drawing/2016/SVG/main" r:embed="rId7"/>
+                <asvg:svgBlip xmlns:asvg="http://schemas.microsoft.com/office/drawing/2016/SVG/main" xmlns="" r:embed="rId7"/>
               </a:ext>
             </a:extLst>
           </a:blip>
@@ -38879,7 +39117,7 @@
                 <a14:useLocalDpi xmlns:a14="http://schemas.microsoft.com/office/drawing/2010/main" val="0"/>
               </a:ext>
               <a:ext uri="{96DAC541-7B7A-43D3-8B79-37D633B846F1}">
-                <asvg:svgBlip xmlns="" xmlns:asvg="http://schemas.microsoft.com/office/drawing/2016/SVG/main" r:embed="rId9"/>
+                <asvg:svgBlip xmlns:asvg="http://schemas.microsoft.com/office/drawing/2016/SVG/main" xmlns="" r:embed="rId9"/>
               </a:ext>
             </a:extLst>
           </a:blip>
@@ -38993,7 +39231,7 @@
           <a:blip r:embed="rId11">
             <a:extLst>
               <a:ext uri="{96DAC541-7B7A-43D3-8B79-37D633B846F1}">
-                <asvg:svgBlip xmlns="" xmlns:asvg="http://schemas.microsoft.com/office/drawing/2016/SVG/main" r:embed="rId12"/>
+                <asvg:svgBlip xmlns:asvg="http://schemas.microsoft.com/office/drawing/2016/SVG/main" xmlns="" r:embed="rId12"/>
               </a:ext>
             </a:extLst>
           </a:blip>
@@ -46763,11 +47001,7 @@
             </a:r>
             <a:r>
               <a:rPr lang="en-US" sz="1600" dirty="0"/>
-              <a:t>. </a:t>
-            </a:r>
-            <a:r>
-              <a:rPr lang="en-US" sz="1600" dirty="0"/>
-              <a:t>GitHub </a:t>
+              <a:t>. GitHub </a:t>
             </a:r>
             <a:r>
               <a:rPr lang="en-US" sz="1600" dirty="0" err="1"/>
@@ -46903,11 +47137,7 @@
             </a:r>
             <a:r>
               <a:rPr lang="en-US" sz="1600" dirty="0"/>
-              <a:t>.</a:t>
-            </a:r>
-            <a:r>
-              <a:rPr lang="en-US" sz="1600" dirty="0"/>
-              <a:t> </a:t>
+              <a:t>. </a:t>
             </a:r>
             <a:r>
               <a:rPr lang="en-US" sz="1600" dirty="0" err="1"/>
@@ -51150,14 +51380,6 @@
 </file>
 
 <file path=customXml/item1.xml><?xml version="1.0" encoding="utf-8"?>
-<p:properties xmlns:p="http://schemas.microsoft.com/office/2006/metadata/properties" xmlns:xsi="http://www.w3.org/2001/XMLSchema-instance" xmlns:pc="http://schemas.microsoft.com/office/infopath/2007/PartnerControls">
-  <documentManagement>
-    <MediaServiceKeyPoints xmlns="71af3243-3dd4-4a8d-8c0d-dd76da1f02a5" xsi:nil="true"/>
-  </documentManagement>
-</p:properties>
-</file>
-
-<file path=customXml/item2.xml><?xml version="1.0" encoding="utf-8"?>
 <ct:contentTypeSchema xmlns:ct="http://schemas.microsoft.com/office/2006/metadata/contentType" xmlns:ma="http://schemas.microsoft.com/office/2006/metadata/properties/metaAttributes" ct:_="" ma:_="" ma:contentTypeName="Document" ma:contentTypeID="0x01010079F111ED35F8CC479449609E8A0923A6" ma:contentTypeVersion="11" ma:contentTypeDescription="Create a new document." ma:contentTypeScope="" ma:versionID="96291512c1ee715ab617f4c07df79fc1">
   <xsd:schema xmlns:xsd="http://www.w3.org/2001/XMLSchema" xmlns:xs="http://www.w3.org/2001/XMLSchema" xmlns:p="http://schemas.microsoft.com/office/2006/metadata/properties" xmlns:ns2="71af3243-3dd4-4a8d-8c0d-dd76da1f02a5" xmlns:ns3="16c05727-aa75-4e4a-9b5f-8a80a1165891" targetNamespace="http://schemas.microsoft.com/office/2006/metadata/properties" ma:root="true" ma:fieldsID="8256c27c40ca5c40ce1cf6c44f0205df" ns2:_="" ns3:_="">
     <xsd:import namespace="71af3243-3dd4-4a8d-8c0d-dd76da1f02a5"/>
@@ -51368,6 +51590,14 @@
 </ct:contentTypeSchema>
 </file>
 
+<file path=customXml/item2.xml><?xml version="1.0" encoding="utf-8"?>
+<p:properties xmlns:p="http://schemas.microsoft.com/office/2006/metadata/properties" xmlns:xsi="http://www.w3.org/2001/XMLSchema-instance" xmlns:pc="http://schemas.microsoft.com/office/infopath/2007/PartnerControls">
+  <documentManagement>
+    <MediaServiceKeyPoints xmlns="71af3243-3dd4-4a8d-8c0d-dd76da1f02a5" xsi:nil="true"/>
+  </documentManagement>
+</p:properties>
+</file>
+
 <file path=customXml/item3.xml><?xml version="1.0" encoding="utf-8"?>
 <?mso-contentType ?>
 <FormTemplates xmlns="http://schemas.microsoft.com/sharepoint/v3/contenttype/forms">
@@ -51378,16 +51608,6 @@
 </file>
 
 <file path=customXml/itemProps1.xml><?xml version="1.0" encoding="utf-8"?>
-<ds:datastoreItem xmlns:ds="http://schemas.openxmlformats.org/officeDocument/2006/customXml" ds:itemID="{F983CA34-C6E2-49BA-ACFF-78ADEC0C28FA}">
-  <ds:schemaRefs>
-    <ds:schemaRef ds:uri="http://schemas.microsoft.com/office/2006/metadata/properties"/>
-    <ds:schemaRef ds:uri="http://schemas.microsoft.com/office/infopath/2007/PartnerControls"/>
-    <ds:schemaRef ds:uri="71af3243-3dd4-4a8d-8c0d-dd76da1f02a5"/>
-  </ds:schemaRefs>
-</ds:datastoreItem>
-</file>
-
-<file path=customXml/itemProps2.xml><?xml version="1.0" encoding="utf-8"?>
 <ds:datastoreItem xmlns:ds="http://schemas.openxmlformats.org/officeDocument/2006/customXml" ds:itemID="{570D0EAE-52CD-493E-A174-3A7CD0E9C7B2}">
   <ds:schemaRefs>
     <ds:schemaRef ds:uri="http://schemas.microsoft.com/office/2006/metadata/contentType"/>
@@ -51406,6 +51626,16 @@
 </ds:datastoreItem>
 </file>
 
+<file path=customXml/itemProps2.xml><?xml version="1.0" encoding="utf-8"?>
+<ds:datastoreItem xmlns:ds="http://schemas.openxmlformats.org/officeDocument/2006/customXml" ds:itemID="{F983CA34-C6E2-49BA-ACFF-78ADEC0C28FA}">
+  <ds:schemaRefs>
+    <ds:schemaRef ds:uri="http://schemas.microsoft.com/office/2006/metadata/properties"/>
+    <ds:schemaRef ds:uri="http://schemas.microsoft.com/office/infopath/2007/PartnerControls"/>
+    <ds:schemaRef ds:uri="71af3243-3dd4-4a8d-8c0d-dd76da1f02a5"/>
+  </ds:schemaRefs>
+</ds:datastoreItem>
+</file>
+
 <file path=customXml/itemProps3.xml><?xml version="1.0" encoding="utf-8"?>
 <ds:datastoreItem xmlns:ds="http://schemas.openxmlformats.org/officeDocument/2006/customXml" ds:itemID="{CCB9AE35-8A31-4380-94A6-86E5DFCDD123}">
   <ds:schemaRefs>

--- a/1 - Yazılım Teste Giris/Yazılım Testi ve Otomasyonu_w1.pptx
+++ b/1 - Yazılım Teste Giris/Yazılım Testi ve Otomasyonu_w1.pptx
@@ -5,10 +5,10 @@
     <p:sldMasterId id="2147483840" r:id="rId4"/>
   </p:sldMasterIdLst>
   <p:notesMasterIdLst>
-    <p:notesMasterId r:id="rId39"/>
+    <p:notesMasterId r:id="rId35"/>
   </p:notesMasterIdLst>
   <p:handoutMasterIdLst>
-    <p:handoutMasterId r:id="rId40"/>
+    <p:handoutMasterId r:id="rId36"/>
   </p:handoutMasterIdLst>
   <p:sldIdLst>
     <p:sldId id="256" r:id="rId5"/>
@@ -37,14 +37,10 @@
     <p:sldId id="275" r:id="rId28"/>
     <p:sldId id="295" r:id="rId29"/>
     <p:sldId id="296" r:id="rId30"/>
-    <p:sldId id="297" r:id="rId31"/>
-    <p:sldId id="299" r:id="rId32"/>
-    <p:sldId id="298" r:id="rId33"/>
-    <p:sldId id="276" r:id="rId34"/>
-    <p:sldId id="300" r:id="rId35"/>
-    <p:sldId id="301" r:id="rId36"/>
-    <p:sldId id="302" r:id="rId37"/>
-    <p:sldId id="303" r:id="rId38"/>
+    <p:sldId id="300" r:id="rId31"/>
+    <p:sldId id="301" r:id="rId32"/>
+    <p:sldId id="302" r:id="rId33"/>
+    <p:sldId id="303" r:id="rId34"/>
   </p:sldIdLst>
   <p:sldSz cx="12192000" cy="6858000"/>
   <p:notesSz cx="6858000" cy="9144000"/>
@@ -254,7 +250,7 @@
           <a:p>
             <a:fld id="{A6D7858F-6309-4F09-BEA0-6CBF97E55806}" type="datetimeFigureOut">
               <a:rPr lang="en-US" smtClean="0"/>
-              <a:t>02/08/2020</a:t>
+              <a:t>02/11/2020</a:t>
             </a:fld>
             <a:endParaRPr lang="en-US" dirty="0"/>
           </a:p>
@@ -431,7 +427,7 @@
           <a:p>
             <a:fld id="{F4F53C5D-CD12-6D4C-A980-0612968271E2}" type="datetimeFigureOut">
               <a:rPr lang="en-US" smtClean="0"/>
-              <a:t>02/08/2020</a:t>
+              <a:t>02/11/2020</a:t>
             </a:fld>
             <a:endParaRPr lang="en-US" dirty="0"/>
           </a:p>
@@ -8198,10 +8194,6 @@
           <a:bodyPr/>
           <a:lstStyle/>
           <a:p>
-            <a:r>
-              <a:rPr lang="tr-TR" dirty="0" smtClean="0"/>
-              <a:t>Test etkisi ve test verimliliği</a:t>
-            </a:r>
             <a:endParaRPr lang="en-US" dirty="0"/>
           </a:p>
         </p:txBody>
@@ -8223,175 +8215,7 @@
           <a:p>
             <a:fld id="{A3F167F0-0840-1348-BFE4-C6298BBC0698}" type="slidenum">
               <a:rPr lang="en-US" smtClean="0"/>
-              <a:t>27</a:t>
-            </a:fld>
-            <a:endParaRPr lang="en-US" dirty="0"/>
-          </a:p>
-        </p:txBody>
-      </p:sp>
-    </p:spTree>
-    <p:extLst>
-      <p:ext uri="{BB962C8B-B14F-4D97-AF65-F5344CB8AC3E}">
-        <p14:creationId xmlns:p14="http://schemas.microsoft.com/office/powerpoint/2010/main" val="1214109215"/>
-      </p:ext>
-    </p:extLst>
-  </p:cSld>
-  <p:clrMapOvr>
-    <a:masterClrMapping/>
-  </p:clrMapOvr>
-</p:notes>
-</file>
-
-<file path=ppt/notesSlides/notesSlide13.xml><?xml version="1.0" encoding="utf-8"?>
-<p:notes xmlns:a="http://schemas.openxmlformats.org/drawingml/2006/main" xmlns:r="http://schemas.openxmlformats.org/officeDocument/2006/relationships" xmlns:p="http://schemas.openxmlformats.org/presentationml/2006/main">
-  <p:cSld>
-    <p:spTree>
-      <p:nvGrpSpPr>
-        <p:cNvPr id="1" name=""/>
-        <p:cNvGrpSpPr/>
-        <p:nvPr/>
-      </p:nvGrpSpPr>
-      <p:grpSpPr>
-        <a:xfrm>
-          <a:off x="0" y="0"/>
-          <a:ext cx="0" cy="0"/>
-          <a:chOff x="0" y="0"/>
-          <a:chExt cx="0" cy="0"/>
-        </a:xfrm>
-      </p:grpSpPr>
-      <p:sp>
-        <p:nvSpPr>
-          <p:cNvPr id="2" name="Slide Image Placeholder 1"/>
-          <p:cNvSpPr>
-            <a:spLocks noGrp="1" noRot="1" noChangeAspect="1"/>
-          </p:cNvSpPr>
-          <p:nvPr>
-            <p:ph type="sldImg"/>
-          </p:nvPr>
-        </p:nvSpPr>
-        <p:spPr/>
-      </p:sp>
-      <p:sp>
-        <p:nvSpPr>
-          <p:cNvPr id="3" name="Notes Placeholder 2"/>
-          <p:cNvSpPr>
-            <a:spLocks noGrp="1"/>
-          </p:cNvSpPr>
-          <p:nvPr>
-            <p:ph type="body" idx="1"/>
-          </p:nvPr>
-        </p:nvSpPr>
-        <p:spPr/>
-        <p:txBody>
-          <a:bodyPr/>
-          <a:lstStyle/>
-          <a:p>
-            <a:endParaRPr lang="en-US" dirty="0"/>
-          </a:p>
-        </p:txBody>
-      </p:sp>
-      <p:sp>
-        <p:nvSpPr>
-          <p:cNvPr id="4" name="Slide Number Placeholder 3"/>
-          <p:cNvSpPr>
-            <a:spLocks noGrp="1"/>
-          </p:cNvSpPr>
-          <p:nvPr>
-            <p:ph type="sldNum" sz="quarter" idx="10"/>
-          </p:nvPr>
-        </p:nvSpPr>
-        <p:spPr/>
-        <p:txBody>
-          <a:bodyPr/>
-          <a:lstStyle/>
-          <a:p>
-            <a:fld id="{A3F167F0-0840-1348-BFE4-C6298BBC0698}" type="slidenum">
-              <a:rPr lang="en-US" smtClean="0"/>
-              <a:t>30</a:t>
-            </a:fld>
-            <a:endParaRPr lang="en-US" dirty="0"/>
-          </a:p>
-        </p:txBody>
-      </p:sp>
-    </p:spTree>
-    <p:extLst>
-      <p:ext uri="{BB962C8B-B14F-4D97-AF65-F5344CB8AC3E}">
-        <p14:creationId xmlns:p14="http://schemas.microsoft.com/office/powerpoint/2010/main" val="388590608"/>
-      </p:ext>
-    </p:extLst>
-  </p:cSld>
-  <p:clrMapOvr>
-    <a:masterClrMapping/>
-  </p:clrMapOvr>
-</p:notes>
-</file>
-
-<file path=ppt/notesSlides/notesSlide14.xml><?xml version="1.0" encoding="utf-8"?>
-<p:notes xmlns:a="http://schemas.openxmlformats.org/drawingml/2006/main" xmlns:r="http://schemas.openxmlformats.org/officeDocument/2006/relationships" xmlns:p="http://schemas.openxmlformats.org/presentationml/2006/main">
-  <p:cSld>
-    <p:spTree>
-      <p:nvGrpSpPr>
-        <p:cNvPr id="1" name=""/>
-        <p:cNvGrpSpPr/>
-        <p:nvPr/>
-      </p:nvGrpSpPr>
-      <p:grpSpPr>
-        <a:xfrm>
-          <a:off x="0" y="0"/>
-          <a:ext cx="0" cy="0"/>
-          <a:chOff x="0" y="0"/>
-          <a:chExt cx="0" cy="0"/>
-        </a:xfrm>
-      </p:grpSpPr>
-      <p:sp>
-        <p:nvSpPr>
-          <p:cNvPr id="2" name="Slide Image Placeholder 1"/>
-          <p:cNvSpPr>
-            <a:spLocks noGrp="1" noRot="1" noChangeAspect="1"/>
-          </p:cNvSpPr>
-          <p:nvPr>
-            <p:ph type="sldImg"/>
-          </p:nvPr>
-        </p:nvSpPr>
-        <p:spPr/>
-      </p:sp>
-      <p:sp>
-        <p:nvSpPr>
-          <p:cNvPr id="3" name="Notes Placeholder 2"/>
-          <p:cNvSpPr>
-            <a:spLocks noGrp="1"/>
-          </p:cNvSpPr>
-          <p:nvPr>
-            <p:ph type="body" idx="1"/>
-          </p:nvPr>
-        </p:nvSpPr>
-        <p:spPr/>
-        <p:txBody>
-          <a:bodyPr/>
-          <a:lstStyle/>
-          <a:p>
-            <a:endParaRPr lang="en-US" dirty="0"/>
-          </a:p>
-        </p:txBody>
-      </p:sp>
-      <p:sp>
-        <p:nvSpPr>
-          <p:cNvPr id="4" name="Slide Number Placeholder 3"/>
-          <p:cNvSpPr>
-            <a:spLocks noGrp="1"/>
-          </p:cNvSpPr>
-          <p:nvPr>
-            <p:ph type="sldNum" sz="quarter" idx="10"/>
-          </p:nvPr>
-        </p:nvSpPr>
-        <p:spPr/>
-        <p:txBody>
-          <a:bodyPr/>
-          <a:lstStyle/>
-          <a:p>
-            <a:fld id="{A3F167F0-0840-1348-BFE4-C6298BBC0698}" type="slidenum">
-              <a:rPr lang="en-US" smtClean="0"/>
-              <a:t>33</a:t>
+              <a:t>29</a:t>
             </a:fld>
             <a:endParaRPr lang="en-US" dirty="0"/>
           </a:p>
@@ -17134,7 +16958,7 @@
           <a:p>
             <a:fld id="{75D0B1B9-C7DF-F64A-B488-12B3D5090923}" type="datetime1">
               <a:rPr lang="en-US" noProof="0" smtClean="0"/>
-              <a:t>02/08/2020</a:t>
+              <a:t>02/11/2020</a:t>
             </a:fld>
             <a:endParaRPr lang="en-US" noProof="0" dirty="0"/>
           </a:p>
@@ -18361,7 +18185,7 @@
           <a:p>
             <a:fld id="{163A5200-74F0-9445-8847-A53AA9C11C7B}" type="datetime1">
               <a:rPr lang="en-US" noProof="0" smtClean="0"/>
-              <a:t>02/08/2020</a:t>
+              <a:t>02/11/2020</a:t>
             </a:fld>
             <a:endParaRPr lang="en-US" noProof="0" dirty="0"/>
           </a:p>
@@ -19793,7 +19617,7 @@
           <a:p>
             <a:fld id="{163A5200-74F0-9445-8847-A53AA9C11C7B}" type="datetime1">
               <a:rPr lang="en-US" noProof="0" smtClean="0"/>
-              <a:t>02/08/2020</a:t>
+              <a:t>02/11/2020</a:t>
             </a:fld>
             <a:endParaRPr lang="en-US" noProof="0" dirty="0"/>
           </a:p>
@@ -20065,7 +19889,7 @@
           <a:p>
             <a:fld id="{21B17C1C-DA5E-F743-826B-CB70C940D4E6}" type="datetime1">
               <a:rPr lang="en-US" noProof="0" smtClean="0"/>
-              <a:t>02/08/2020</a:t>
+              <a:t>02/11/2020</a:t>
             </a:fld>
             <a:endParaRPr lang="en-US" noProof="0" dirty="0"/>
           </a:p>
@@ -20447,7 +20271,7 @@
           <a:p>
             <a:fld id="{E6F10E4C-E478-1D40-94DF-17D7429B053A}" type="datetime1">
               <a:rPr lang="en-US" noProof="0" smtClean="0"/>
-              <a:t>02/08/2020</a:t>
+              <a:t>02/11/2020</a:t>
             </a:fld>
             <a:endParaRPr lang="en-US" noProof="0" dirty="0"/>
           </a:p>
@@ -20565,7 +20389,7 @@
           <a:p>
             <a:fld id="{AC1A9061-1D22-724D-9508-7BAEAF287353}" type="datetime1">
               <a:rPr lang="en-US" noProof="0" smtClean="0"/>
-              <a:t>02/08/2020</a:t>
+              <a:t>02/11/2020</a:t>
             </a:fld>
             <a:endParaRPr lang="en-US" noProof="0" dirty="0"/>
           </a:p>
@@ -20683,7 +20507,7 @@
           <a:p>
             <a:fld id="{AC1A9061-1D22-724D-9508-7BAEAF287353}" type="datetime1">
               <a:rPr lang="en-US" noProof="0" smtClean="0"/>
-              <a:t>02/08/2020</a:t>
+              <a:t>02/11/2020</a:t>
             </a:fld>
             <a:endParaRPr lang="en-US" noProof="0" dirty="0"/>
           </a:p>
@@ -20823,7 +20647,7 @@
           <a:p>
             <a:fld id="{A4205E0F-8980-D24A-B2F9-0C7A13C6A6DE}" type="datetime1">
               <a:rPr lang="en-US" noProof="0" smtClean="0"/>
-              <a:t>02/08/2020</a:t>
+              <a:t>02/11/2020</a:t>
             </a:fld>
             <a:endParaRPr lang="en-US" noProof="0" dirty="0"/>
           </a:p>
@@ -21029,7 +20853,7 @@
           <a:p>
             <a:fld id="{06D41EE2-1449-2741-9D08-61623EFC2A0E}" type="datetime1">
               <a:rPr lang="en-US" noProof="0" smtClean="0"/>
-              <a:t>02/08/2020</a:t>
+              <a:t>02/11/2020</a:t>
             </a:fld>
             <a:endParaRPr lang="en-US" noProof="0" dirty="0"/>
           </a:p>
@@ -22091,7 +21915,7 @@
           <a:p>
             <a:fld id="{9DAF7560-49B8-714F-A7F1-D946D3E64C23}" type="datetime1">
               <a:rPr lang="en-US" noProof="0" smtClean="0"/>
-              <a:t>02/08/2020</a:t>
+              <a:t>02/11/2020</a:t>
             </a:fld>
             <a:endParaRPr lang="en-US" noProof="0" dirty="0"/>
           </a:p>
@@ -22726,7 +22550,7 @@
           <a:p>
             <a:fld id="{7DD9237C-03C9-D843-906B-96D98C6B2D61}" type="datetime1">
               <a:rPr lang="en-US" noProof="0" smtClean="0"/>
-              <a:t>02/08/2020</a:t>
+              <a:t>02/11/2020</a:t>
             </a:fld>
             <a:endParaRPr lang="en-US" noProof="0" dirty="0"/>
           </a:p>
@@ -23651,7 +23475,7 @@
           <a:p>
             <a:fld id="{397BD2BD-1F35-9841-A6BF-76BE540EE01F}" type="datetime1">
               <a:rPr lang="en-US" noProof="0" smtClean="0"/>
-              <a:t>02/08/2020</a:t>
+              <a:t>02/11/2020</a:t>
             </a:fld>
             <a:endParaRPr lang="en-US" noProof="0" dirty="0"/>
           </a:p>
@@ -24800,7 +24624,7 @@
           <a:p>
             <a:fld id="{6E94F40A-5592-5744-BFD7-61B04D70BFE7}" type="datetime1">
               <a:rPr lang="en-US" noProof="0" smtClean="0"/>
-              <a:t>02/08/2020</a:t>
+              <a:t>02/11/2020</a:t>
             </a:fld>
             <a:endParaRPr lang="en-US" noProof="0" dirty="0"/>
           </a:p>
@@ -26085,7 +25909,7 @@
           <a:p>
             <a:fld id="{A177F711-7020-994E-A797-D04033A0CF12}" type="datetime1">
               <a:rPr lang="en-US" noProof="0" smtClean="0"/>
-              <a:t>02/08/2020</a:t>
+              <a:t>02/11/2020</a:t>
             </a:fld>
             <a:endParaRPr lang="en-US" noProof="0" dirty="0"/>
           </a:p>
@@ -27082,7 +26906,7 @@
           <a:p>
             <a:fld id="{A177F711-7020-994E-A797-D04033A0CF12}" type="datetime1">
               <a:rPr lang="en-US" noProof="0" smtClean="0"/>
-              <a:t>02/08/2020</a:t>
+              <a:t>02/11/2020</a:t>
             </a:fld>
             <a:endParaRPr lang="en-US" noProof="0" dirty="0"/>
           </a:p>
@@ -27997,7 +27821,7 @@
           <a:p>
             <a:fld id="{8C369370-372E-0846-B090-5E6EF97A3B62}" type="datetime1">
               <a:rPr lang="en-US" noProof="0" smtClean="0"/>
-              <a:t>02/08/2020</a:t>
+              <a:t>02/11/2020</a:t>
             </a:fld>
             <a:endParaRPr lang="en-US" noProof="0" dirty="0"/>
           </a:p>
@@ -29391,7 +29215,7 @@
             <a:fld id="{36ACA6CA-E140-824D-8E8B-5CC5036BDBAE}" type="datetime1">
               <a:rPr lang="en-US" noProof="0" smtClean="0"/>
               <a:pPr/>
-              <a:t>02/08/2020</a:t>
+              <a:t>02/11/2020</a:t>
             </a:fld>
             <a:endParaRPr lang="en-US" noProof="0" dirty="0"/>
           </a:p>
@@ -38876,7 +38700,7 @@
           <a:blip r:embed="rId2">
             <a:extLst>
               <a:ext uri="{96DAC541-7B7A-43D3-8B79-37D633B846F1}">
-                <asvg:svgBlip xmlns:asvg="http://schemas.microsoft.com/office/drawing/2016/SVG/main" xmlns="" r:embed="rId3"/>
+                <asvg:svgBlip xmlns="" xmlns:asvg="http://schemas.microsoft.com/office/drawing/2016/SVG/main" r:embed="rId3"/>
               </a:ext>
             </a:extLst>
           </a:blip>
@@ -38954,7 +38778,7 @@
                 <a14:useLocalDpi xmlns:a14="http://schemas.microsoft.com/office/drawing/2010/main" val="0"/>
               </a:ext>
               <a:ext uri="{96DAC541-7B7A-43D3-8B79-37D633B846F1}">
-                <asvg:svgBlip xmlns:asvg="http://schemas.microsoft.com/office/drawing/2016/SVG/main" xmlns="" r:embed="rId5"/>
+                <asvg:svgBlip xmlns="" xmlns:asvg="http://schemas.microsoft.com/office/drawing/2016/SVG/main" r:embed="rId5"/>
               </a:ext>
             </a:extLst>
           </a:blip>
@@ -39049,7 +38873,7 @@
                 <a14:useLocalDpi xmlns:a14="http://schemas.microsoft.com/office/drawing/2010/main" val="0"/>
               </a:ext>
               <a:ext uri="{96DAC541-7B7A-43D3-8B79-37D633B846F1}">
-                <asvg:svgBlip xmlns:asvg="http://schemas.microsoft.com/office/drawing/2016/SVG/main" xmlns="" r:embed="rId7"/>
+                <asvg:svgBlip xmlns="" xmlns:asvg="http://schemas.microsoft.com/office/drawing/2016/SVG/main" r:embed="rId7"/>
               </a:ext>
             </a:extLst>
           </a:blip>
@@ -39117,7 +38941,7 @@
                 <a14:useLocalDpi xmlns:a14="http://schemas.microsoft.com/office/drawing/2010/main" val="0"/>
               </a:ext>
               <a:ext uri="{96DAC541-7B7A-43D3-8B79-37D633B846F1}">
-                <asvg:svgBlip xmlns:asvg="http://schemas.microsoft.com/office/drawing/2016/SVG/main" xmlns="" r:embed="rId9"/>
+                <asvg:svgBlip xmlns="" xmlns:asvg="http://schemas.microsoft.com/office/drawing/2016/SVG/main" r:embed="rId9"/>
               </a:ext>
             </a:extLst>
           </a:blip>
@@ -39231,7 +39055,7 @@
           <a:blip r:embed="rId11">
             <a:extLst>
               <a:ext uri="{96DAC541-7B7A-43D3-8B79-37D633B846F1}">
-                <asvg:svgBlip xmlns:asvg="http://schemas.microsoft.com/office/drawing/2016/SVG/main" xmlns="" r:embed="rId12"/>
+                <asvg:svgBlip xmlns="" xmlns:asvg="http://schemas.microsoft.com/office/drawing/2016/SVG/main" r:embed="rId12"/>
               </a:ext>
             </a:extLst>
           </a:blip>
@@ -44780,8 +44604,8 @@
         </p:nvSpPr>
         <p:spPr>
           <a:xfrm>
-            <a:off x="3581630" y="975651"/>
-            <a:ext cx="8761413" cy="706964"/>
+            <a:off x="4285014" y="1028069"/>
+            <a:ext cx="4354893" cy="706964"/>
           </a:xfrm>
         </p:spPr>
         <p:txBody>
@@ -44790,7 +44614,7 @@
           <a:p>
             <a:r>
               <a:rPr lang="tr-TR" dirty="0" smtClean="0"/>
-              <a:t>Test Yönetimi Zorlukları</a:t>
+              <a:t>LAB – GIT, GITHUB</a:t>
             </a:r>
             <a:endParaRPr lang="en-US" dirty="0"/>
           </a:p>
@@ -44814,2027 +44638,6 @@
             <a:fld id="{9FF96B15-8338-45D5-A943-561235072D66}" type="slidenum">
               <a:rPr lang="en-US" noProof="0" smtClean="0"/>
               <a:t>27</a:t>
-            </a:fld>
-            <a:endParaRPr lang="en-US" noProof="0" dirty="0"/>
-          </a:p>
-        </p:txBody>
-      </p:sp>
-      <p:pic>
-        <p:nvPicPr>
-          <p:cNvPr id="5" name="Picture 4"/>
-          <p:cNvPicPr>
-            <a:picLocks noChangeAspect="1"/>
-          </p:cNvPicPr>
-          <p:nvPr/>
-        </p:nvPicPr>
-        <p:blipFill>
-          <a:blip r:embed="rId3"/>
-          <a:stretch>
-            <a:fillRect/>
-          </a:stretch>
-        </p:blipFill>
-        <p:spPr>
-          <a:xfrm>
-            <a:off x="8206154" y="3692036"/>
-            <a:ext cx="3657600" cy="2686050"/>
-          </a:xfrm>
-          <a:prstGeom prst="rect">
-            <a:avLst/>
-          </a:prstGeom>
-        </p:spPr>
-      </p:pic>
-      <p:sp>
-        <p:nvSpPr>
-          <p:cNvPr id="6" name="Rectangle 5"/>
-          <p:cNvSpPr/>
-          <p:nvPr/>
-        </p:nvSpPr>
-        <p:spPr>
-          <a:xfrm>
-            <a:off x="908767" y="2725504"/>
-            <a:ext cx="7531848" cy="2585323"/>
-          </a:xfrm>
-          <a:prstGeom prst="rect">
-            <a:avLst/>
-          </a:prstGeom>
-        </p:spPr>
-        <p:txBody>
-          <a:bodyPr wrap="square">
-            <a:spAutoFit/>
-          </a:bodyPr>
-          <a:lstStyle/>
-          <a:p>
-            <a:pPr>
-              <a:buFont typeface="Arial" panose="020B0604020202020204" pitchFamily="34" charset="0"/>
-              <a:buChar char="•"/>
-            </a:pPr>
-            <a:r>
-              <a:rPr lang="tr-TR" dirty="0" smtClean="0">
-                <a:solidFill>
-                  <a:srgbClr val="222222"/>
-                </a:solidFill>
-              </a:rPr>
-              <a:t>Test etmek için yeterli zamanın olmaması</a:t>
-            </a:r>
-          </a:p>
-          <a:p>
-            <a:pPr>
-              <a:buFont typeface="Arial" panose="020B0604020202020204" pitchFamily="34" charset="0"/>
-              <a:buChar char="•"/>
-            </a:pPr>
-            <a:endParaRPr lang="en-US" dirty="0">
-              <a:solidFill>
-                <a:srgbClr val="222222"/>
-              </a:solidFill>
-            </a:endParaRPr>
-          </a:p>
-          <a:p>
-            <a:pPr>
-              <a:buFont typeface="Arial" panose="020B0604020202020204" pitchFamily="34" charset="0"/>
-              <a:buChar char="•"/>
-            </a:pPr>
-            <a:r>
-              <a:rPr lang="tr-TR" dirty="0" smtClean="0">
-                <a:solidFill>
-                  <a:srgbClr val="222222"/>
-                </a:solidFill>
-              </a:rPr>
-              <a:t>Test etmek için yeterli kaynağın olmaması</a:t>
-            </a:r>
-          </a:p>
-          <a:p>
-            <a:pPr>
-              <a:buFont typeface="Arial" panose="020B0604020202020204" pitchFamily="34" charset="0"/>
-              <a:buChar char="•"/>
-            </a:pPr>
-            <a:endParaRPr lang="en-US" dirty="0">
-              <a:solidFill>
-                <a:srgbClr val="222222"/>
-              </a:solidFill>
-            </a:endParaRPr>
-          </a:p>
-          <a:p>
-            <a:pPr>
-              <a:buFont typeface="Arial" panose="020B0604020202020204" pitchFamily="34" charset="0"/>
-              <a:buChar char="•"/>
-            </a:pPr>
-            <a:r>
-              <a:rPr lang="tr-TR" dirty="0" smtClean="0">
-                <a:solidFill>
-                  <a:srgbClr val="222222"/>
-                </a:solidFill>
-              </a:rPr>
-              <a:t>Bütçenin düşük olması ve zaman planlamasının çok kısıtlı olması</a:t>
-            </a:r>
-          </a:p>
-          <a:p>
-            <a:pPr>
-              <a:buFont typeface="Arial" panose="020B0604020202020204" pitchFamily="34" charset="0"/>
-              <a:buChar char="•"/>
-            </a:pPr>
-            <a:endParaRPr lang="tr-TR" dirty="0" smtClean="0">
-              <a:solidFill>
-                <a:srgbClr val="222222"/>
-              </a:solidFill>
-            </a:endParaRPr>
-          </a:p>
-          <a:p>
-            <a:pPr>
-              <a:buFont typeface="Arial" panose="020B0604020202020204" pitchFamily="34" charset="0"/>
-              <a:buChar char="•"/>
-            </a:pPr>
-            <a:r>
-              <a:rPr lang="tr-TR" dirty="0" smtClean="0">
-                <a:solidFill>
-                  <a:srgbClr val="222222"/>
-                </a:solidFill>
-              </a:rPr>
-              <a:t>Test takımlarının aynı yerde olmaması</a:t>
-            </a:r>
-          </a:p>
-          <a:p>
-            <a:pPr>
-              <a:buFont typeface="Arial" panose="020B0604020202020204" pitchFamily="34" charset="0"/>
-              <a:buChar char="•"/>
-            </a:pPr>
-            <a:endParaRPr lang="en-US" dirty="0">
-              <a:solidFill>
-                <a:srgbClr val="222222"/>
-              </a:solidFill>
-            </a:endParaRPr>
-          </a:p>
-          <a:p>
-            <a:pPr>
-              <a:buFont typeface="Arial" panose="020B0604020202020204" pitchFamily="34" charset="0"/>
-              <a:buChar char="•"/>
-            </a:pPr>
-            <a:r>
-              <a:rPr lang="tr-TR" dirty="0" smtClean="0">
-                <a:solidFill>
-                  <a:srgbClr val="222222"/>
-                </a:solidFill>
-              </a:rPr>
-              <a:t>Gereksinimlerin çok kompleks ve karmaşık olması</a:t>
-            </a:r>
-            <a:endParaRPr lang="en-US" b="0" i="0" dirty="0">
-              <a:solidFill>
-                <a:srgbClr val="222222"/>
-              </a:solidFill>
-              <a:effectLst/>
-            </a:endParaRPr>
-          </a:p>
-        </p:txBody>
-      </p:sp>
-    </p:spTree>
-    <p:extLst>
-      <p:ext uri="{BB962C8B-B14F-4D97-AF65-F5344CB8AC3E}">
-        <p14:creationId xmlns:p14="http://schemas.microsoft.com/office/powerpoint/2010/main" val="2765719011"/>
-      </p:ext>
-    </p:extLst>
-  </p:cSld>
-  <p:clrMapOvr>
-    <a:masterClrMapping/>
-  </p:clrMapOvr>
-  <p:timing>
-    <p:tnLst>
-      <p:par>
-        <p:cTn id="1" dur="indefinite" restart="never" nodeType="tmRoot"/>
-      </p:par>
-    </p:tnLst>
-  </p:timing>
-</p:sld>
-</file>
-
-<file path=ppt/slides/slide28.xml><?xml version="1.0" encoding="utf-8"?>
-<p:sld xmlns:a="http://schemas.openxmlformats.org/drawingml/2006/main" xmlns:r="http://schemas.openxmlformats.org/officeDocument/2006/relationships" xmlns:p="http://schemas.openxmlformats.org/presentationml/2006/main">
-  <p:cSld>
-    <p:spTree>
-      <p:nvGrpSpPr>
-        <p:cNvPr id="1" name=""/>
-        <p:cNvGrpSpPr/>
-        <p:nvPr/>
-      </p:nvGrpSpPr>
-      <p:grpSpPr>
-        <a:xfrm>
-          <a:off x="0" y="0"/>
-          <a:ext cx="0" cy="0"/>
-          <a:chOff x="0" y="0"/>
-          <a:chExt cx="0" cy="0"/>
-        </a:xfrm>
-      </p:grpSpPr>
-      <p:sp>
-        <p:nvSpPr>
-          <p:cNvPr id="2" name="Title 1"/>
-          <p:cNvSpPr>
-            <a:spLocks noGrp="1"/>
-          </p:cNvSpPr>
-          <p:nvPr>
-            <p:ph type="title"/>
-          </p:nvPr>
-        </p:nvSpPr>
-        <p:spPr>
-          <a:xfrm>
-            <a:off x="4343630" y="1028069"/>
-            <a:ext cx="4565909" cy="706964"/>
-          </a:xfrm>
-        </p:spPr>
-        <p:txBody>
-          <a:bodyPr/>
-          <a:lstStyle/>
-          <a:p>
-            <a:r>
-              <a:rPr lang="tr-TR" dirty="0" smtClean="0"/>
-              <a:t>Manuel Test</a:t>
-            </a:r>
-            <a:endParaRPr lang="en-US" dirty="0"/>
-          </a:p>
-        </p:txBody>
-      </p:sp>
-      <p:sp>
-        <p:nvSpPr>
-          <p:cNvPr id="3" name="Slide Number Placeholder 2"/>
-          <p:cNvSpPr>
-            <a:spLocks noGrp="1"/>
-          </p:cNvSpPr>
-          <p:nvPr>
-            <p:ph type="sldNum" sz="quarter" idx="12"/>
-          </p:nvPr>
-        </p:nvSpPr>
-        <p:spPr/>
-        <p:txBody>
-          <a:bodyPr/>
-          <a:lstStyle/>
-          <a:p>
-            <a:fld id="{9FF96B15-8338-45D5-A943-561235072D66}" type="slidenum">
-              <a:rPr lang="en-US" noProof="0" smtClean="0"/>
-              <a:t>28</a:t>
-            </a:fld>
-            <a:endParaRPr lang="en-US" noProof="0" dirty="0"/>
-          </a:p>
-        </p:txBody>
-      </p:sp>
-      <p:sp>
-        <p:nvSpPr>
-          <p:cNvPr id="4" name="Text Placeholder 3"/>
-          <p:cNvSpPr>
-            <a:spLocks noGrp="1"/>
-          </p:cNvSpPr>
-          <p:nvPr>
-            <p:ph type="body" sz="quarter" idx="13"/>
-          </p:nvPr>
-        </p:nvSpPr>
-        <p:spPr>
-          <a:xfrm>
-            <a:off x="498057" y="2230804"/>
-            <a:ext cx="9630682" cy="3477682"/>
-          </a:xfrm>
-        </p:spPr>
-        <p:txBody>
-          <a:bodyPr>
-            <a:normAutofit/>
-          </a:bodyPr>
-          <a:lstStyle/>
-          <a:p>
-            <a:pPr algn="l"/>
-            <a:r>
-              <a:rPr lang="tr-TR" sz="1800" dirty="0" smtClean="0"/>
-              <a:t>1- Proje dokümanlarını okumak. Detayları ve özelliklerini iyi anlamak.</a:t>
-            </a:r>
-          </a:p>
-          <a:p>
-            <a:pPr algn="l"/>
-            <a:r>
-              <a:rPr lang="tr-TR" sz="1800" dirty="0" smtClean="0"/>
-              <a:t>2- </a:t>
-            </a:r>
-            <a:r>
-              <a:rPr lang="tr-TR" sz="1800" dirty="0" err="1" smtClean="0"/>
-              <a:t>Dokumanları</a:t>
-            </a:r>
-            <a:r>
-              <a:rPr lang="tr-TR" sz="1800" dirty="0" smtClean="0"/>
-              <a:t> okuma sırasında taslak olarak test </a:t>
-            </a:r>
-            <a:r>
-              <a:rPr lang="tr-TR" sz="1800" dirty="0" err="1" smtClean="0"/>
-              <a:t>caseler</a:t>
-            </a:r>
-            <a:r>
-              <a:rPr lang="tr-TR" sz="1800" dirty="0" smtClean="0"/>
-              <a:t> hazırlamak.</a:t>
-            </a:r>
-          </a:p>
-          <a:p>
-            <a:pPr algn="l"/>
-            <a:r>
-              <a:rPr lang="tr-TR" sz="1800" dirty="0" smtClean="0"/>
-              <a:t>3- Hazırladığın test </a:t>
-            </a:r>
-            <a:r>
-              <a:rPr lang="tr-TR" sz="1800" dirty="0" err="1" smtClean="0"/>
-              <a:t>case’leri</a:t>
-            </a:r>
-            <a:r>
-              <a:rPr lang="tr-TR" sz="1800" dirty="0" smtClean="0"/>
-              <a:t> takım yöneticisi ve proje müşterileriyle paylaşmak.</a:t>
-            </a:r>
-          </a:p>
-          <a:p>
-            <a:pPr algn="l"/>
-            <a:r>
-              <a:rPr lang="tr-TR" sz="1800" dirty="0" smtClean="0"/>
-              <a:t>4- Gözden geçirilmiş ve sonuçlanmış senaryoları koşturmak.</a:t>
-            </a:r>
-          </a:p>
-          <a:p>
-            <a:pPr algn="l"/>
-            <a:r>
-              <a:rPr lang="tr-TR" sz="1800" dirty="0" smtClean="0"/>
-              <a:t>5- Çıkan </a:t>
-            </a:r>
-            <a:r>
-              <a:rPr lang="tr-TR" sz="1800" dirty="0" err="1" smtClean="0"/>
-              <a:t>bug</a:t>
-            </a:r>
-            <a:r>
-              <a:rPr lang="tr-TR" sz="1800" dirty="0" smtClean="0"/>
-              <a:t>/</a:t>
-            </a:r>
-            <a:r>
-              <a:rPr lang="tr-TR" sz="1800" dirty="0" err="1" smtClean="0"/>
-              <a:t>defect‘leri</a:t>
-            </a:r>
-            <a:r>
-              <a:rPr lang="tr-TR" sz="1800" dirty="0" smtClean="0"/>
-              <a:t> raporlamak</a:t>
-            </a:r>
-          </a:p>
-          <a:p>
-            <a:pPr algn="l"/>
-            <a:r>
-              <a:rPr lang="tr-TR" sz="1800" dirty="0" smtClean="0"/>
-              <a:t>6- Hatalar düzeltildikten sonra tekrar aynı test senaryolarını kontrol amaçlı koşturmak.</a:t>
-            </a:r>
-          </a:p>
-        </p:txBody>
-      </p:sp>
-      <p:pic>
-        <p:nvPicPr>
-          <p:cNvPr id="5" name="Picture 4"/>
-          <p:cNvPicPr>
-            <a:picLocks noChangeAspect="1"/>
-          </p:cNvPicPr>
-          <p:nvPr/>
-        </p:nvPicPr>
-        <p:blipFill>
-          <a:blip r:embed="rId2"/>
-          <a:stretch>
-            <a:fillRect/>
-          </a:stretch>
-        </p:blipFill>
-        <p:spPr>
-          <a:xfrm>
-            <a:off x="9788769" y="4429263"/>
-            <a:ext cx="2217860" cy="2277802"/>
-          </a:xfrm>
-          <a:prstGeom prst="rect">
-            <a:avLst/>
-          </a:prstGeom>
-        </p:spPr>
-      </p:pic>
-    </p:spTree>
-    <p:extLst>
-      <p:ext uri="{BB962C8B-B14F-4D97-AF65-F5344CB8AC3E}">
-        <p14:creationId xmlns:p14="http://schemas.microsoft.com/office/powerpoint/2010/main" val="360229112"/>
-      </p:ext>
-    </p:extLst>
-  </p:cSld>
-  <p:clrMapOvr>
-    <a:masterClrMapping/>
-  </p:clrMapOvr>
-</p:sld>
-</file>
-
-<file path=ppt/slides/slide29.xml><?xml version="1.0" encoding="utf-8"?>
-<p:sld xmlns:a="http://schemas.openxmlformats.org/drawingml/2006/main" xmlns:r="http://schemas.openxmlformats.org/officeDocument/2006/relationships" xmlns:p="http://schemas.openxmlformats.org/presentationml/2006/main">
-  <p:cSld>
-    <p:spTree>
-      <p:nvGrpSpPr>
-        <p:cNvPr id="1" name=""/>
-        <p:cNvGrpSpPr/>
-        <p:nvPr/>
-      </p:nvGrpSpPr>
-      <p:grpSpPr>
-        <a:xfrm>
-          <a:off x="0" y="0"/>
-          <a:ext cx="0" cy="0"/>
-          <a:chOff x="0" y="0"/>
-          <a:chExt cx="0" cy="0"/>
-        </a:xfrm>
-      </p:grpSpPr>
-      <p:sp>
-        <p:nvSpPr>
-          <p:cNvPr id="2" name="Title 1"/>
-          <p:cNvSpPr>
-            <a:spLocks noGrp="1"/>
-          </p:cNvSpPr>
-          <p:nvPr>
-            <p:ph type="title"/>
-          </p:nvPr>
-        </p:nvSpPr>
-        <p:spPr>
-          <a:xfrm>
-            <a:off x="3616799" y="1063416"/>
-            <a:ext cx="8761413" cy="706964"/>
-          </a:xfrm>
-        </p:spPr>
-        <p:txBody>
-          <a:bodyPr/>
-          <a:lstStyle/>
-          <a:p>
-            <a:r>
-              <a:rPr lang="tr-TR" dirty="0" smtClean="0"/>
-              <a:t>Manuel Test Kabulleri</a:t>
-            </a:r>
-            <a:endParaRPr lang="en-US" dirty="0"/>
-          </a:p>
-        </p:txBody>
-      </p:sp>
-      <p:sp>
-        <p:nvSpPr>
-          <p:cNvPr id="3" name="Slide Number Placeholder 2"/>
-          <p:cNvSpPr>
-            <a:spLocks noGrp="1"/>
-          </p:cNvSpPr>
-          <p:nvPr>
-            <p:ph type="sldNum" sz="quarter" idx="12"/>
-          </p:nvPr>
-        </p:nvSpPr>
-        <p:spPr/>
-        <p:txBody>
-          <a:bodyPr/>
-          <a:lstStyle/>
-          <a:p>
-            <a:fld id="{9FF96B15-8338-45D5-A943-561235072D66}" type="slidenum">
-              <a:rPr lang="en-US" noProof="0" smtClean="0"/>
-              <a:t>29</a:t>
-            </a:fld>
-            <a:endParaRPr lang="en-US" noProof="0" dirty="0"/>
-          </a:p>
-        </p:txBody>
-      </p:sp>
-      <p:sp>
-        <p:nvSpPr>
-          <p:cNvPr id="4" name="Text Placeholder 3"/>
-          <p:cNvSpPr>
-            <a:spLocks noGrp="1"/>
-          </p:cNvSpPr>
-          <p:nvPr>
-            <p:ph type="body" sz="quarter" idx="13"/>
-          </p:nvPr>
-        </p:nvSpPr>
-        <p:spPr>
-          <a:xfrm>
-            <a:off x="886155" y="2770065"/>
-            <a:ext cx="10304584" cy="3477682"/>
-          </a:xfrm>
-        </p:spPr>
-        <p:txBody>
-          <a:bodyPr>
-            <a:normAutofit fontScale="25000" lnSpcReduction="20000"/>
-          </a:bodyPr>
-          <a:lstStyle/>
-          <a:p>
-            <a:pPr algn="l"/>
-            <a:r>
-              <a:rPr lang="en-US" sz="6400" dirty="0"/>
-              <a:t>Myth: </a:t>
-            </a:r>
-            <a:r>
-              <a:rPr lang="tr-TR" sz="6400" dirty="0" smtClean="0"/>
-              <a:t>Herkes manuel test yapabilir</a:t>
-            </a:r>
-            <a:endParaRPr lang="en-US" sz="6400" dirty="0"/>
-          </a:p>
-          <a:p>
-            <a:pPr algn="l"/>
-            <a:r>
-              <a:rPr lang="tr-TR" sz="6400" b="1" dirty="0" smtClean="0"/>
-              <a:t>Gerçek</a:t>
-            </a:r>
-            <a:r>
-              <a:rPr lang="en-US" sz="6400" dirty="0" smtClean="0"/>
-              <a:t>: </a:t>
-            </a:r>
-            <a:r>
-              <a:rPr lang="tr-TR" sz="6400" dirty="0" smtClean="0"/>
-              <a:t>Test etmek birçok yetenek gerektiriyor.</a:t>
-            </a:r>
-          </a:p>
-          <a:p>
-            <a:pPr algn="l"/>
-            <a:endParaRPr lang="en-US" sz="6400" dirty="0"/>
-          </a:p>
-          <a:p>
-            <a:pPr algn="l"/>
-            <a:r>
-              <a:rPr lang="en-US" sz="6400" dirty="0"/>
-              <a:t>Myth: </a:t>
-            </a:r>
-            <a:r>
-              <a:rPr lang="tr-TR" sz="6400" dirty="0" smtClean="0"/>
-              <a:t>Test etmek ortaya %100 kalitede ürün çıkarır.</a:t>
-            </a:r>
-            <a:endParaRPr lang="en-US" sz="6400" dirty="0"/>
-          </a:p>
-          <a:p>
-            <a:pPr algn="l"/>
-            <a:r>
-              <a:rPr lang="tr-TR" sz="6400" b="1" dirty="0"/>
-              <a:t>Gerçek</a:t>
-            </a:r>
-            <a:r>
-              <a:rPr lang="en-US" sz="6400" dirty="0"/>
-              <a:t>: </a:t>
-            </a:r>
-            <a:r>
-              <a:rPr lang="tr-TR" sz="6400" dirty="0" smtClean="0"/>
-              <a:t>Test etmek üründeki </a:t>
-            </a:r>
-            <a:r>
-              <a:rPr lang="tr-TR" sz="6400" dirty="0" err="1" smtClean="0"/>
-              <a:t>defect</a:t>
-            </a:r>
-            <a:r>
-              <a:rPr lang="tr-TR" sz="6400" dirty="0" smtClean="0"/>
-              <a:t> sayısını minimize eder, fakat </a:t>
-            </a:r>
-            <a:r>
-              <a:rPr lang="tr-TR" sz="6400" dirty="0" err="1" smtClean="0"/>
-              <a:t>defect</a:t>
-            </a:r>
-            <a:r>
-              <a:rPr lang="tr-TR" sz="6400" dirty="0" smtClean="0"/>
-              <a:t> olmayan bir ürün çıktığının garantisini veremez.</a:t>
-            </a:r>
-          </a:p>
-          <a:p>
-            <a:pPr algn="l"/>
-            <a:endParaRPr lang="en-US" sz="6400" dirty="0"/>
-          </a:p>
-          <a:p>
-            <a:pPr algn="l"/>
-            <a:r>
-              <a:rPr lang="en-US" sz="6400" dirty="0"/>
-              <a:t>Myth: </a:t>
-            </a:r>
-            <a:r>
-              <a:rPr lang="tr-TR" sz="6400" dirty="0" smtClean="0"/>
-              <a:t>Otomasyon testleri manuel testten daha güçlüdür.</a:t>
-            </a:r>
-            <a:endParaRPr lang="en-US" sz="6400" dirty="0"/>
-          </a:p>
-          <a:p>
-            <a:pPr algn="l"/>
-            <a:r>
-              <a:rPr lang="tr-TR" sz="6400" b="1" dirty="0"/>
-              <a:t>Gerçek</a:t>
-            </a:r>
-            <a:r>
-              <a:rPr lang="en-US" sz="6400" dirty="0"/>
-              <a:t>: </a:t>
-            </a:r>
-            <a:r>
-              <a:rPr lang="en-US" sz="6400" dirty="0" smtClean="0"/>
-              <a:t>100</a:t>
-            </a:r>
-            <a:r>
-              <a:rPr lang="en-US" sz="6400" dirty="0"/>
-              <a:t>% test </a:t>
-            </a:r>
-            <a:r>
-              <a:rPr lang="tr-TR" sz="6400" dirty="0" smtClean="0"/>
-              <a:t>otomasyonu yapılamaz. Manuel test de mutlaka gerekecektir.</a:t>
-            </a:r>
-          </a:p>
-          <a:p>
-            <a:pPr algn="l"/>
-            <a:endParaRPr lang="en-US" sz="6400" dirty="0"/>
-          </a:p>
-          <a:p>
-            <a:pPr algn="l"/>
-            <a:r>
-              <a:rPr lang="en-US" sz="6400" dirty="0"/>
-              <a:t>Myth: </a:t>
-            </a:r>
-            <a:r>
-              <a:rPr lang="tr-TR" sz="6400" dirty="0" smtClean="0"/>
-              <a:t>Test etmek kolaydır.</a:t>
-            </a:r>
-            <a:endParaRPr lang="en-US" sz="6400" dirty="0"/>
-          </a:p>
-          <a:p>
-            <a:pPr algn="l"/>
-            <a:r>
-              <a:rPr lang="tr-TR" sz="6400" b="1" dirty="0"/>
-              <a:t>Gerçek</a:t>
-            </a:r>
-            <a:r>
-              <a:rPr lang="en-US" sz="6400" dirty="0"/>
-              <a:t>: </a:t>
-            </a:r>
-            <a:r>
-              <a:rPr lang="tr-TR" sz="6400" dirty="0" smtClean="0"/>
-              <a:t>Test etmek farklı düşünmeyi gerektirir. Bir uygulamayı minimum test senaryosu ile test edebilmek analitik düşünce gerektirir. Minimum test senaryosu minimum efor demektir.</a:t>
-            </a:r>
-            <a:endParaRPr lang="en-US" dirty="0"/>
-          </a:p>
-        </p:txBody>
-      </p:sp>
-    </p:spTree>
-    <p:extLst>
-      <p:ext uri="{BB962C8B-B14F-4D97-AF65-F5344CB8AC3E}">
-        <p14:creationId xmlns:p14="http://schemas.microsoft.com/office/powerpoint/2010/main" val="1792664208"/>
-      </p:ext>
-    </p:extLst>
-  </p:cSld>
-  <p:clrMapOvr>
-    <a:masterClrMapping/>
-  </p:clrMapOvr>
-</p:sld>
-</file>
-
-<file path=ppt/slides/slide3.xml><?xml version="1.0" encoding="utf-8"?>
-<p:sld xmlns:a="http://schemas.openxmlformats.org/drawingml/2006/main" xmlns:r="http://schemas.openxmlformats.org/officeDocument/2006/relationships" xmlns:p="http://schemas.openxmlformats.org/presentationml/2006/main">
-  <p:cSld>
-    <p:spTree>
-      <p:nvGrpSpPr>
-        <p:cNvPr id="1" name=""/>
-        <p:cNvGrpSpPr/>
-        <p:nvPr/>
-      </p:nvGrpSpPr>
-      <p:grpSpPr>
-        <a:xfrm>
-          <a:off x="0" y="0"/>
-          <a:ext cx="0" cy="0"/>
-          <a:chOff x="0" y="0"/>
-          <a:chExt cx="0" cy="0"/>
-        </a:xfrm>
-      </p:grpSpPr>
-      <p:sp>
-        <p:nvSpPr>
-          <p:cNvPr id="12" name="Title 11"/>
-          <p:cNvSpPr>
-            <a:spLocks noGrp="1"/>
-          </p:cNvSpPr>
-          <p:nvPr>
-            <p:ph type="title"/>
-          </p:nvPr>
-        </p:nvSpPr>
-        <p:spPr/>
-        <p:txBody>
-          <a:bodyPr/>
-          <a:lstStyle/>
-          <a:p>
-            <a:r>
-              <a:rPr lang="tr-TR" dirty="0" smtClean="0"/>
-              <a:t>Konular</a:t>
-            </a:r>
-            <a:endParaRPr lang="en-US" dirty="0"/>
-          </a:p>
-        </p:txBody>
-      </p:sp>
-      <p:sp>
-        <p:nvSpPr>
-          <p:cNvPr id="5" name="Slide Number Placeholder 4"/>
-          <p:cNvSpPr>
-            <a:spLocks noGrp="1"/>
-          </p:cNvSpPr>
-          <p:nvPr>
-            <p:ph type="sldNum" sz="quarter" idx="12"/>
-          </p:nvPr>
-        </p:nvSpPr>
-        <p:spPr/>
-        <p:txBody>
-          <a:bodyPr/>
-          <a:lstStyle/>
-          <a:p>
-            <a:fld id="{9FF96B15-8338-45D5-A943-561235072D66}" type="slidenum">
-              <a:rPr lang="en-US" noProof="0" smtClean="0"/>
-              <a:t>3</a:t>
-            </a:fld>
-            <a:endParaRPr lang="en-US" noProof="0" dirty="0"/>
-          </a:p>
-        </p:txBody>
-      </p:sp>
-      <p:sp>
-        <p:nvSpPr>
-          <p:cNvPr id="35" name="Text Placeholder 15"/>
-          <p:cNvSpPr>
-            <a:spLocks noGrp="1"/>
-          </p:cNvSpPr>
-          <p:nvPr>
-            <p:ph type="body" sz="quarter" idx="16"/>
-          </p:nvPr>
-        </p:nvSpPr>
-        <p:spPr>
-          <a:xfrm>
-            <a:off x="5870575" y="392970"/>
-            <a:ext cx="3852000" cy="337053"/>
-          </a:xfrm>
-        </p:spPr>
-        <p:txBody>
-          <a:bodyPr>
-            <a:normAutofit fontScale="77500" lnSpcReduction="20000"/>
-          </a:bodyPr>
-          <a:lstStyle/>
-          <a:p>
-            <a:r>
-              <a:rPr lang="tr-TR" dirty="0" smtClean="0"/>
-              <a:t>Test nedir?  Kalite nedir?</a:t>
-            </a:r>
-            <a:endParaRPr lang="en-US" dirty="0"/>
-          </a:p>
-        </p:txBody>
-      </p:sp>
-      <p:sp>
-        <p:nvSpPr>
-          <p:cNvPr id="48" name="Text Placeholder 15"/>
-          <p:cNvSpPr>
-            <a:spLocks noGrp="1"/>
-          </p:cNvSpPr>
-          <p:nvPr>
-            <p:ph type="body" sz="quarter" idx="16"/>
-          </p:nvPr>
-        </p:nvSpPr>
-        <p:spPr>
-          <a:xfrm>
-            <a:off x="5284250" y="819759"/>
-            <a:ext cx="3852000" cy="337053"/>
-          </a:xfrm>
-        </p:spPr>
-        <p:txBody>
-          <a:bodyPr>
-            <a:normAutofit fontScale="77500" lnSpcReduction="20000"/>
-          </a:bodyPr>
-          <a:lstStyle/>
-          <a:p>
-            <a:r>
-              <a:rPr lang="tr-TR" dirty="0" smtClean="0"/>
-              <a:t>Yazılım Test metodolojileri</a:t>
-            </a:r>
-            <a:endParaRPr lang="en-US" dirty="0"/>
-          </a:p>
-        </p:txBody>
-      </p:sp>
-      <p:sp>
-        <p:nvSpPr>
-          <p:cNvPr id="49" name="Text Placeholder 15"/>
-          <p:cNvSpPr>
-            <a:spLocks noGrp="1"/>
-          </p:cNvSpPr>
-          <p:nvPr>
-            <p:ph type="body" sz="quarter" idx="16"/>
-          </p:nvPr>
-        </p:nvSpPr>
-        <p:spPr>
-          <a:xfrm>
-            <a:off x="6056226" y="1246410"/>
-            <a:ext cx="3852000" cy="337053"/>
-          </a:xfrm>
-        </p:spPr>
-        <p:txBody>
-          <a:bodyPr>
-            <a:normAutofit fontScale="77500" lnSpcReduction="20000"/>
-          </a:bodyPr>
-          <a:lstStyle/>
-          <a:p>
-            <a:r>
-              <a:rPr lang="tr-TR" dirty="0" err="1" smtClean="0"/>
-              <a:t>Unit</a:t>
-            </a:r>
-            <a:r>
-              <a:rPr lang="tr-TR" dirty="0" smtClean="0"/>
-              <a:t> (Birim) Test - </a:t>
-            </a:r>
-            <a:r>
-              <a:rPr lang="tr-TR" dirty="0" err="1" smtClean="0"/>
-              <a:t>JUnit</a:t>
-            </a:r>
-            <a:endParaRPr lang="en-US" dirty="0"/>
-          </a:p>
-        </p:txBody>
-      </p:sp>
-      <p:sp>
-        <p:nvSpPr>
-          <p:cNvPr id="50" name="Text Placeholder 15"/>
-          <p:cNvSpPr>
-            <a:spLocks noGrp="1"/>
-          </p:cNvSpPr>
-          <p:nvPr>
-            <p:ph type="body" sz="quarter" idx="16"/>
-          </p:nvPr>
-        </p:nvSpPr>
-        <p:spPr>
-          <a:xfrm>
-            <a:off x="5292563" y="1673130"/>
-            <a:ext cx="3852000" cy="337053"/>
-          </a:xfrm>
-        </p:spPr>
-        <p:txBody>
-          <a:bodyPr>
-            <a:normAutofit fontScale="77500" lnSpcReduction="20000"/>
-          </a:bodyPr>
-          <a:lstStyle/>
-          <a:p>
-            <a:r>
-              <a:rPr lang="tr-TR" dirty="0" smtClean="0"/>
-              <a:t>Test seviyeleri – </a:t>
-            </a:r>
-            <a:r>
-              <a:rPr lang="tr-TR" dirty="0" err="1" smtClean="0"/>
-              <a:t>Junit</a:t>
-            </a:r>
-            <a:r>
-              <a:rPr lang="tr-TR" dirty="0" smtClean="0"/>
-              <a:t> </a:t>
-            </a:r>
-            <a:r>
-              <a:rPr lang="tr-TR" dirty="0" err="1" smtClean="0"/>
-              <a:t>Covarage</a:t>
-            </a:r>
-            <a:endParaRPr lang="en-US" dirty="0"/>
-          </a:p>
-        </p:txBody>
-      </p:sp>
-      <p:sp>
-        <p:nvSpPr>
-          <p:cNvPr id="51" name="Text Placeholder 15"/>
-          <p:cNvSpPr>
-            <a:spLocks noGrp="1"/>
-          </p:cNvSpPr>
-          <p:nvPr>
-            <p:ph type="body" sz="quarter" idx="16"/>
-          </p:nvPr>
-        </p:nvSpPr>
-        <p:spPr>
-          <a:xfrm>
-            <a:off x="6056226" y="2079886"/>
-            <a:ext cx="3852000" cy="337053"/>
-          </a:xfrm>
-        </p:spPr>
-        <p:txBody>
-          <a:bodyPr>
-            <a:normAutofit fontScale="77500" lnSpcReduction="20000"/>
-          </a:bodyPr>
-          <a:lstStyle/>
-          <a:p>
-            <a:r>
-              <a:rPr lang="tr-TR" dirty="0" smtClean="0"/>
-              <a:t>Test </a:t>
-            </a:r>
-            <a:r>
-              <a:rPr lang="tr-TR" dirty="0" err="1" smtClean="0"/>
-              <a:t>case</a:t>
-            </a:r>
-            <a:r>
-              <a:rPr lang="tr-TR" dirty="0" smtClean="0"/>
-              <a:t> dizayn teknikleri</a:t>
-            </a:r>
-            <a:endParaRPr lang="en-US" dirty="0"/>
-          </a:p>
-        </p:txBody>
-      </p:sp>
-      <p:sp>
-        <p:nvSpPr>
-          <p:cNvPr id="52" name="Text Placeholder 15"/>
-          <p:cNvSpPr>
-            <a:spLocks noGrp="1"/>
-          </p:cNvSpPr>
-          <p:nvPr>
-            <p:ph type="body" sz="quarter" idx="16"/>
-          </p:nvPr>
-        </p:nvSpPr>
-        <p:spPr>
-          <a:xfrm>
-            <a:off x="5292563" y="2473424"/>
-            <a:ext cx="3852000" cy="337053"/>
-          </a:xfrm>
-        </p:spPr>
-        <p:txBody>
-          <a:bodyPr>
-            <a:normAutofit fontScale="77500" lnSpcReduction="20000"/>
-          </a:bodyPr>
-          <a:lstStyle/>
-          <a:p>
-            <a:r>
-              <a:rPr lang="tr-TR" dirty="0" smtClean="0"/>
-              <a:t>Test strateji</a:t>
-            </a:r>
-            <a:endParaRPr lang="en-US" dirty="0"/>
-          </a:p>
-        </p:txBody>
-      </p:sp>
-      <p:sp>
-        <p:nvSpPr>
-          <p:cNvPr id="53" name="Text Placeholder 15"/>
-          <p:cNvSpPr>
-            <a:spLocks noGrp="1"/>
-          </p:cNvSpPr>
-          <p:nvPr>
-            <p:ph type="body" sz="quarter" idx="16"/>
-          </p:nvPr>
-        </p:nvSpPr>
-        <p:spPr>
-          <a:xfrm>
-            <a:off x="6056226" y="2901779"/>
-            <a:ext cx="3852000" cy="337053"/>
-          </a:xfrm>
-        </p:spPr>
-        <p:txBody>
-          <a:bodyPr>
-            <a:normAutofit fontScale="77500" lnSpcReduction="20000"/>
-          </a:bodyPr>
-          <a:lstStyle/>
-          <a:p>
-            <a:r>
-              <a:rPr lang="tr-TR" dirty="0" smtClean="0"/>
-              <a:t>Çevik Yazılım – Farklı Alanlarda Test</a:t>
-            </a:r>
-            <a:endParaRPr lang="en-US" dirty="0"/>
-          </a:p>
-        </p:txBody>
-      </p:sp>
-      <p:sp>
-        <p:nvSpPr>
-          <p:cNvPr id="54" name="Text Placeholder 15"/>
-          <p:cNvSpPr>
-            <a:spLocks noGrp="1"/>
-          </p:cNvSpPr>
-          <p:nvPr>
-            <p:ph type="body" sz="quarter" idx="16"/>
-          </p:nvPr>
-        </p:nvSpPr>
-        <p:spPr>
-          <a:xfrm>
-            <a:off x="5284250" y="3310238"/>
-            <a:ext cx="3852000" cy="337053"/>
-          </a:xfrm>
-        </p:spPr>
-        <p:txBody>
-          <a:bodyPr>
-            <a:normAutofit fontScale="77500" lnSpcReduction="20000"/>
-          </a:bodyPr>
-          <a:lstStyle/>
-          <a:p>
-            <a:r>
-              <a:rPr lang="tr-TR" dirty="0" smtClean="0"/>
-              <a:t>API Testleri</a:t>
-            </a:r>
-            <a:endParaRPr lang="en-US" dirty="0"/>
-          </a:p>
-        </p:txBody>
-      </p:sp>
-      <p:sp>
-        <p:nvSpPr>
-          <p:cNvPr id="55" name="Text Placeholder 15"/>
-          <p:cNvSpPr>
-            <a:spLocks noGrp="1"/>
-          </p:cNvSpPr>
-          <p:nvPr>
-            <p:ph type="body" sz="quarter" idx="16"/>
-          </p:nvPr>
-        </p:nvSpPr>
-        <p:spPr>
-          <a:xfrm>
-            <a:off x="6056226" y="3738593"/>
-            <a:ext cx="3852000" cy="337053"/>
-          </a:xfrm>
-        </p:spPr>
-        <p:txBody>
-          <a:bodyPr>
-            <a:normAutofit fontScale="77500" lnSpcReduction="20000"/>
-          </a:bodyPr>
-          <a:lstStyle/>
-          <a:p>
-            <a:r>
-              <a:rPr lang="tr-TR" dirty="0" smtClean="0"/>
-              <a:t>Performans Testleri</a:t>
-            </a:r>
-            <a:endParaRPr lang="en-US" dirty="0"/>
-          </a:p>
-        </p:txBody>
-      </p:sp>
-      <p:sp>
-        <p:nvSpPr>
-          <p:cNvPr id="56" name="Text Placeholder 15"/>
-          <p:cNvSpPr>
-            <a:spLocks noGrp="1"/>
-          </p:cNvSpPr>
-          <p:nvPr>
-            <p:ph type="body" sz="quarter" idx="16"/>
-          </p:nvPr>
-        </p:nvSpPr>
-        <p:spPr>
-          <a:xfrm>
-            <a:off x="5292563" y="4191886"/>
-            <a:ext cx="3852000" cy="337053"/>
-          </a:xfrm>
-        </p:spPr>
-        <p:txBody>
-          <a:bodyPr>
-            <a:normAutofit fontScale="77500" lnSpcReduction="20000"/>
-          </a:bodyPr>
-          <a:lstStyle/>
-          <a:p>
-            <a:r>
-              <a:rPr lang="tr-TR" dirty="0" smtClean="0"/>
-              <a:t>UI/UX Testleri</a:t>
-            </a:r>
-            <a:endParaRPr lang="en-US" dirty="0"/>
-          </a:p>
-        </p:txBody>
-      </p:sp>
-      <p:sp>
-        <p:nvSpPr>
-          <p:cNvPr id="57" name="Text Placeholder 15"/>
-          <p:cNvSpPr>
-            <a:spLocks noGrp="1"/>
-          </p:cNvSpPr>
-          <p:nvPr>
-            <p:ph type="body" sz="quarter" idx="16"/>
-          </p:nvPr>
-        </p:nvSpPr>
-        <p:spPr>
-          <a:xfrm>
-            <a:off x="6056226" y="4643544"/>
-            <a:ext cx="3852000" cy="337053"/>
-          </a:xfrm>
-        </p:spPr>
-        <p:txBody>
-          <a:bodyPr>
-            <a:normAutofit fontScale="77500" lnSpcReduction="20000"/>
-          </a:bodyPr>
-          <a:lstStyle/>
-          <a:p>
-            <a:r>
-              <a:rPr lang="tr-TR" dirty="0" smtClean="0"/>
-              <a:t>Test Otomasyona Giriş </a:t>
-            </a:r>
-            <a:r>
-              <a:rPr lang="tr-TR" dirty="0" err="1" smtClean="0"/>
-              <a:t>Selenium</a:t>
-            </a:r>
-            <a:r>
-              <a:rPr lang="tr-TR" dirty="0" smtClean="0"/>
-              <a:t> IDE</a:t>
-            </a:r>
-            <a:endParaRPr lang="en-US" dirty="0"/>
-          </a:p>
-        </p:txBody>
-      </p:sp>
-      <p:sp>
-        <p:nvSpPr>
-          <p:cNvPr id="58" name="Text Placeholder 15"/>
-          <p:cNvSpPr>
-            <a:spLocks noGrp="1"/>
-          </p:cNvSpPr>
-          <p:nvPr>
-            <p:ph type="body" sz="quarter" idx="16"/>
-          </p:nvPr>
-        </p:nvSpPr>
-        <p:spPr>
-          <a:xfrm>
-            <a:off x="5292563" y="5073534"/>
-            <a:ext cx="3852000" cy="337053"/>
-          </a:xfrm>
-        </p:spPr>
-        <p:txBody>
-          <a:bodyPr>
-            <a:normAutofit fontScale="77500" lnSpcReduction="20000"/>
-          </a:bodyPr>
-          <a:lstStyle/>
-          <a:p>
-            <a:r>
-              <a:rPr lang="tr-TR" dirty="0" err="1" smtClean="0"/>
-              <a:t>Selenium</a:t>
-            </a:r>
-            <a:r>
-              <a:rPr lang="tr-TR" dirty="0" smtClean="0"/>
-              <a:t> Web Driver</a:t>
-            </a:r>
-            <a:endParaRPr lang="en-US" dirty="0"/>
-          </a:p>
-        </p:txBody>
-      </p:sp>
-      <p:sp>
-        <p:nvSpPr>
-          <p:cNvPr id="59" name="Text Placeholder 15"/>
-          <p:cNvSpPr>
-            <a:spLocks noGrp="1"/>
-          </p:cNvSpPr>
-          <p:nvPr>
-            <p:ph type="body" sz="quarter" idx="16"/>
-          </p:nvPr>
-        </p:nvSpPr>
-        <p:spPr>
-          <a:xfrm>
-            <a:off x="6097026" y="5525192"/>
-            <a:ext cx="3852000" cy="337053"/>
-          </a:xfrm>
-        </p:spPr>
-        <p:txBody>
-          <a:bodyPr>
-            <a:normAutofit fontScale="77500" lnSpcReduction="20000"/>
-          </a:bodyPr>
-          <a:lstStyle/>
-          <a:p>
-            <a:r>
-              <a:rPr lang="tr-TR" dirty="0" smtClean="0"/>
-              <a:t>Mobil Test Otomasyonu</a:t>
-            </a:r>
-            <a:endParaRPr lang="en-US" dirty="0"/>
-          </a:p>
-        </p:txBody>
-      </p:sp>
-      <p:sp>
-        <p:nvSpPr>
-          <p:cNvPr id="60" name="Text Placeholder 15"/>
-          <p:cNvSpPr>
-            <a:spLocks noGrp="1"/>
-          </p:cNvSpPr>
-          <p:nvPr>
-            <p:ph type="body" sz="quarter" idx="16"/>
-          </p:nvPr>
-        </p:nvSpPr>
-        <p:spPr>
-          <a:xfrm>
-            <a:off x="5292563" y="5988433"/>
-            <a:ext cx="3852000" cy="337053"/>
-          </a:xfrm>
-        </p:spPr>
-        <p:txBody>
-          <a:bodyPr>
-            <a:normAutofit fontScale="77500" lnSpcReduction="20000"/>
-          </a:bodyPr>
-          <a:lstStyle/>
-          <a:p>
-            <a:r>
-              <a:rPr lang="tr-TR" dirty="0" err="1" smtClean="0"/>
-              <a:t>Appium</a:t>
-            </a:r>
-            <a:endParaRPr lang="en-US" dirty="0"/>
-          </a:p>
-        </p:txBody>
-      </p:sp>
-    </p:spTree>
-    <p:extLst>
-      <p:ext uri="{BB962C8B-B14F-4D97-AF65-F5344CB8AC3E}">
-        <p14:creationId xmlns:p14="http://schemas.microsoft.com/office/powerpoint/2010/main" val="3132226757"/>
-      </p:ext>
-    </p:extLst>
-  </p:cSld>
-  <p:clrMapOvr>
-    <a:masterClrMapping/>
-  </p:clrMapOvr>
-  <p:timing>
-    <p:tnLst>
-      <p:par>
-        <p:cTn id="1" dur="indefinite" restart="never" nodeType="tmRoot"/>
-      </p:par>
-    </p:tnLst>
-  </p:timing>
-</p:sld>
-</file>
-
-<file path=ppt/slides/slide30.xml><?xml version="1.0" encoding="utf-8"?>
-<p:sld xmlns:a="http://schemas.openxmlformats.org/drawingml/2006/main" xmlns:r="http://schemas.openxmlformats.org/officeDocument/2006/relationships" xmlns:p="http://schemas.openxmlformats.org/presentationml/2006/main">
-  <p:cSld>
-    <p:spTree>
-      <p:nvGrpSpPr>
-        <p:cNvPr id="1" name=""/>
-        <p:cNvGrpSpPr/>
-        <p:nvPr/>
-      </p:nvGrpSpPr>
-      <p:grpSpPr>
-        <a:xfrm>
-          <a:off x="0" y="0"/>
-          <a:ext cx="0" cy="0"/>
-          <a:chOff x="0" y="0"/>
-          <a:chExt cx="0" cy="0"/>
-        </a:xfrm>
-      </p:grpSpPr>
-      <p:sp>
-        <p:nvSpPr>
-          <p:cNvPr id="4" name="Title 3">
-            <a:extLst>
-              <a:ext uri="{FF2B5EF4-FFF2-40B4-BE49-F238E27FC236}">
-                <a16:creationId xmlns:a16="http://schemas.microsoft.com/office/drawing/2014/main" id="{E98DCA46-603B-4178-8707-30E192CE6B8D}"/>
-              </a:ext>
-            </a:extLst>
-          </p:cNvPr>
-          <p:cNvSpPr>
-            <a:spLocks noGrp="1"/>
-          </p:cNvSpPr>
-          <p:nvPr>
-            <p:ph type="title"/>
-          </p:nvPr>
-        </p:nvSpPr>
-        <p:spPr>
-          <a:xfrm>
-            <a:off x="3067395" y="1048483"/>
-            <a:ext cx="7065819" cy="706964"/>
-          </a:xfrm>
-        </p:spPr>
-        <p:txBody>
-          <a:bodyPr/>
-          <a:lstStyle/>
-          <a:p>
-            <a:r>
-              <a:rPr lang="tr-TR" dirty="0" smtClean="0"/>
-              <a:t>Manuel Test ve Otomatik Test</a:t>
-            </a:r>
-            <a:endParaRPr lang="en-US" dirty="0"/>
-          </a:p>
-        </p:txBody>
-      </p:sp>
-      <p:sp>
-        <p:nvSpPr>
-          <p:cNvPr id="6" name="Slide Number Placeholder 2">
-            <a:extLst>
-              <a:ext uri="{FF2B5EF4-FFF2-40B4-BE49-F238E27FC236}">
-                <a16:creationId xmlns:a16="http://schemas.microsoft.com/office/drawing/2014/main" id="{0E198AB5-8BDA-AB41-9AEF-8516B23BB694}"/>
-              </a:ext>
-            </a:extLst>
-          </p:cNvPr>
-          <p:cNvSpPr>
-            <a:spLocks noGrp="1"/>
-          </p:cNvSpPr>
-          <p:nvPr>
-            <p:ph type="sldNum" sz="quarter" idx="12"/>
-          </p:nvPr>
-        </p:nvSpPr>
-        <p:spPr>
-          <a:xfrm>
-            <a:off x="10352540" y="295729"/>
-            <a:ext cx="838199" cy="767687"/>
-          </a:xfrm>
-        </p:spPr>
-        <p:txBody>
-          <a:bodyPr/>
-          <a:lstStyle/>
-          <a:p>
-            <a:fld id="{9FF96B15-8338-45D5-A943-561235072D66}" type="slidenum">
-              <a:rPr lang="en-US" smtClean="0"/>
-              <a:t>30</a:t>
-            </a:fld>
-            <a:endParaRPr lang="en-US" dirty="0"/>
-          </a:p>
-        </p:txBody>
-      </p:sp>
-      <p:graphicFrame>
-        <p:nvGraphicFramePr>
-          <p:cNvPr id="2" name="Table 1"/>
-          <p:cNvGraphicFramePr>
-            <a:graphicFrameLocks noGrp="1"/>
-          </p:cNvGraphicFramePr>
-          <p:nvPr>
-            <p:extLst>
-              <p:ext uri="{D42A27DB-BD31-4B8C-83A1-F6EECF244321}">
-                <p14:modId xmlns:p14="http://schemas.microsoft.com/office/powerpoint/2010/main" val="3525003378"/>
-              </p:ext>
-            </p:extLst>
-          </p:nvPr>
-        </p:nvGraphicFramePr>
-        <p:xfrm>
-          <a:off x="1003385" y="2649414"/>
-          <a:ext cx="10187354" cy="3587262"/>
-        </p:xfrm>
-        <a:graphic>
-          <a:graphicData uri="http://schemas.openxmlformats.org/drawingml/2006/table">
-            <a:tbl>
-              <a:tblPr/>
-              <a:tblGrid>
-                <a:gridCol w="5093677">
-                  <a:extLst>
-                    <a:ext uri="{9D8B030D-6E8A-4147-A177-3AD203B41FA5}">
-                      <a16:colId xmlns:a16="http://schemas.microsoft.com/office/drawing/2014/main" val="4221739315"/>
-                    </a:ext>
-                  </a:extLst>
-                </a:gridCol>
-                <a:gridCol w="5093677">
-                  <a:extLst>
-                    <a:ext uri="{9D8B030D-6E8A-4147-A177-3AD203B41FA5}">
-                      <a16:colId xmlns:a16="http://schemas.microsoft.com/office/drawing/2014/main" val="3963645364"/>
-                    </a:ext>
-                  </a:extLst>
-                </a:gridCol>
-              </a:tblGrid>
-              <a:tr h="353674">
-                <a:tc>
-                  <a:txBody>
-                    <a:bodyPr/>
-                    <a:lstStyle/>
-                    <a:p>
-                      <a:pPr algn="l" fontAlgn="t"/>
-                      <a:r>
-                        <a:rPr lang="en-US" sz="1400" b="1">
-                          <a:effectLst/>
-                        </a:rPr>
-                        <a:t>Manual Testing</a:t>
-                      </a:r>
-                    </a:p>
-                  </a:txBody>
-                  <a:tcPr marL="60146" marR="60146" marT="60146" marB="60146">
-                    <a:lnL w="9525" cap="flat" cmpd="sng" algn="ctr">
-                      <a:solidFill>
-                        <a:srgbClr val="F098EE"/>
-                      </a:solidFill>
-                      <a:prstDash val="solid"/>
-                      <a:round/>
-                      <a:headEnd type="none" w="med" len="med"/>
-                      <a:tailEnd type="none" w="med" len="med"/>
-                    </a:lnL>
-                    <a:lnR w="9525" cap="flat" cmpd="sng" algn="ctr">
-                      <a:solidFill>
-                        <a:srgbClr val="B09AEE"/>
-                      </a:solidFill>
-                      <a:prstDash val="solid"/>
-                      <a:round/>
-                      <a:headEnd type="none" w="med" len="med"/>
-                      <a:tailEnd type="none" w="med" len="med"/>
-                    </a:lnR>
-                    <a:lnT w="9525" cap="flat" cmpd="sng" algn="ctr">
-                      <a:solidFill>
-                        <a:srgbClr val="DDDDDD"/>
-                      </a:solidFill>
-                      <a:prstDash val="solid"/>
-                      <a:round/>
-                      <a:headEnd type="none" w="med" len="med"/>
-                      <a:tailEnd type="none" w="med" len="med"/>
-                    </a:lnT>
-                    <a:lnB w="9525" cap="flat" cmpd="sng" algn="ctr">
-                      <a:solidFill>
-                        <a:srgbClr val="DDDDDD"/>
-                      </a:solidFill>
-                      <a:prstDash val="solid"/>
-                      <a:round/>
-                      <a:headEnd type="none" w="med" len="med"/>
-                      <a:tailEnd type="none" w="med" len="med"/>
-                    </a:lnB>
-                    <a:solidFill>
-                      <a:srgbClr val="F2F2F2"/>
-                    </a:solidFill>
-                  </a:tcPr>
-                </a:tc>
-                <a:tc>
-                  <a:txBody>
-                    <a:bodyPr/>
-                    <a:lstStyle/>
-                    <a:p>
-                      <a:pPr algn="l" fontAlgn="t"/>
-                      <a:r>
-                        <a:rPr lang="en-US" sz="1400" b="1">
-                          <a:effectLst/>
-                        </a:rPr>
-                        <a:t>Automated Testing</a:t>
-                      </a:r>
-                    </a:p>
-                  </a:txBody>
-                  <a:tcPr marL="60146" marR="60146" marT="60146" marB="60146">
-                    <a:lnL w="9525" cap="flat" cmpd="sng" algn="ctr">
-                      <a:solidFill>
-                        <a:srgbClr val="B09AEE"/>
-                      </a:solidFill>
-                      <a:prstDash val="solid"/>
-                      <a:round/>
-                      <a:headEnd type="none" w="med" len="med"/>
-                      <a:tailEnd type="none" w="med" len="med"/>
-                    </a:lnL>
-                    <a:lnR w="12700" cap="flat" cmpd="sng" algn="ctr">
-                      <a:solidFill>
-                        <a:srgbClr val="F05AD0"/>
-                      </a:solidFill>
-                      <a:prstDash val="solid"/>
-                      <a:round/>
-                      <a:headEnd type="none" w="med" len="med"/>
-                      <a:tailEnd type="none" w="med" len="med"/>
-                    </a:lnR>
-                    <a:lnT w="9525" cap="flat" cmpd="sng" algn="ctr">
-                      <a:solidFill>
-                        <a:srgbClr val="DDDDDD"/>
-                      </a:solidFill>
-                      <a:prstDash val="solid"/>
-                      <a:round/>
-                      <a:headEnd type="none" w="med" len="med"/>
-                      <a:tailEnd type="none" w="med" len="med"/>
-                    </a:lnT>
-                    <a:lnB w="9525" cap="flat" cmpd="sng" algn="ctr">
-                      <a:solidFill>
-                        <a:srgbClr val="DDDDDD"/>
-                      </a:solidFill>
-                      <a:prstDash val="solid"/>
-                      <a:round/>
-                      <a:headEnd type="none" w="med" len="med"/>
-                      <a:tailEnd type="none" w="med" len="med"/>
-                    </a:lnB>
-                    <a:solidFill>
-                      <a:srgbClr val="F2F2F2"/>
-                    </a:solidFill>
-                  </a:tcPr>
-                </a:tc>
-                <a:extLst>
-                  <a:ext uri="{0D108BD9-81ED-4DB2-BD59-A6C34878D82A}">
-                    <a16:rowId xmlns:a16="http://schemas.microsoft.com/office/drawing/2014/main" val="1452572747"/>
-                  </a:ext>
-                </a:extLst>
-              </a:tr>
-              <a:tr h="581035">
-                <a:tc>
-                  <a:txBody>
-                    <a:bodyPr/>
-                    <a:lstStyle/>
-                    <a:p>
-                      <a:pPr algn="l" fontAlgn="t"/>
-                      <a:r>
-                        <a:rPr lang="en-US" sz="1400" dirty="0">
-                          <a:effectLst/>
-                        </a:rPr>
-                        <a:t>Manual testing requires human intervention for test execution.</a:t>
-                      </a:r>
-                    </a:p>
-                  </a:txBody>
-                  <a:tcPr marL="60146" marR="60146" marT="60146" marB="60146">
-                    <a:lnL w="12700" cap="flat" cmpd="sng" algn="ctr">
-                      <a:solidFill>
-                        <a:srgbClr val="D054D0"/>
-                      </a:solidFill>
-                      <a:prstDash val="solid"/>
-                      <a:round/>
-                      <a:headEnd type="none" w="med" len="med"/>
-                      <a:tailEnd type="none" w="med" len="med"/>
-                    </a:lnL>
-                    <a:lnR w="12700" cap="flat" cmpd="sng" algn="ctr">
-                      <a:solidFill>
-                        <a:srgbClr val="905AD0"/>
-                      </a:solidFill>
-                      <a:prstDash val="solid"/>
-                      <a:round/>
-                      <a:headEnd type="none" w="med" len="med"/>
-                      <a:tailEnd type="none" w="med" len="med"/>
-                    </a:lnR>
-                    <a:lnT w="9525" cap="flat" cmpd="sng" algn="ctr">
-                      <a:solidFill>
-                        <a:srgbClr val="DDDDDD"/>
-                      </a:solidFill>
-                      <a:prstDash val="solid"/>
-                      <a:round/>
-                      <a:headEnd type="none" w="med" len="med"/>
-                      <a:tailEnd type="none" w="med" len="med"/>
-                    </a:lnT>
-                    <a:lnB w="9525" cap="flat" cmpd="sng" algn="ctr">
-                      <a:solidFill>
-                        <a:srgbClr val="DDDDDD"/>
-                      </a:solidFill>
-                      <a:prstDash val="solid"/>
-                      <a:round/>
-                      <a:headEnd type="none" w="med" len="med"/>
-                      <a:tailEnd type="none" w="med" len="med"/>
-                    </a:lnB>
-                    <a:solidFill>
-                      <a:srgbClr val="FFFFFF"/>
-                    </a:solidFill>
-                  </a:tcPr>
-                </a:tc>
-                <a:tc>
-                  <a:txBody>
-                    <a:bodyPr/>
-                    <a:lstStyle/>
-                    <a:p>
-                      <a:pPr algn="l" fontAlgn="t"/>
-                      <a:r>
-                        <a:rPr lang="en-US" sz="1400" u="none" strike="noStrike">
-                          <a:solidFill>
-                            <a:srgbClr val="04B8E6"/>
-                          </a:solidFill>
-                          <a:effectLst/>
-                          <a:hlinkClick r:id="rId3"/>
-                        </a:rPr>
-                        <a:t>Automation Testing</a:t>
-                      </a:r>
-                      <a:r>
-                        <a:rPr lang="en-US" sz="1400">
-                          <a:effectLst/>
-                        </a:rPr>
-                        <a:t> is use of tools to execute test cases</a:t>
-                      </a:r>
-                    </a:p>
-                  </a:txBody>
-                  <a:tcPr marL="60146" marR="60146" marT="60146" marB="60146">
-                    <a:lnL w="12700" cap="flat" cmpd="sng" algn="ctr">
-                      <a:solidFill>
-                        <a:srgbClr val="905AD0"/>
-                      </a:solidFill>
-                      <a:prstDash val="solid"/>
-                      <a:round/>
-                      <a:headEnd type="none" w="med" len="med"/>
-                      <a:tailEnd type="none" w="med" len="med"/>
-                    </a:lnL>
-                    <a:lnR w="12700" cap="flat" cmpd="sng" algn="ctr">
-                      <a:solidFill>
-                        <a:srgbClr val="305AD0"/>
-                      </a:solidFill>
-                      <a:prstDash val="solid"/>
-                      <a:round/>
-                      <a:headEnd type="none" w="med" len="med"/>
-                      <a:tailEnd type="none" w="med" len="med"/>
-                    </a:lnR>
-                    <a:lnT w="9525" cap="flat" cmpd="sng" algn="ctr">
-                      <a:solidFill>
-                        <a:srgbClr val="DDDDDD"/>
-                      </a:solidFill>
-                      <a:prstDash val="solid"/>
-                      <a:round/>
-                      <a:headEnd type="none" w="med" len="med"/>
-                      <a:tailEnd type="none" w="med" len="med"/>
-                    </a:lnT>
-                    <a:lnB w="9525" cap="flat" cmpd="sng" algn="ctr">
-                      <a:solidFill>
-                        <a:srgbClr val="DDDDDD"/>
-                      </a:solidFill>
-                      <a:prstDash val="solid"/>
-                      <a:round/>
-                      <a:headEnd type="none" w="med" len="med"/>
-                      <a:tailEnd type="none" w="med" len="med"/>
-                    </a:lnB>
-                    <a:solidFill>
-                      <a:srgbClr val="FFFFFF"/>
-                    </a:solidFill>
-                  </a:tcPr>
-                </a:tc>
-                <a:extLst>
-                  <a:ext uri="{0D108BD9-81ED-4DB2-BD59-A6C34878D82A}">
-                    <a16:rowId xmlns:a16="http://schemas.microsoft.com/office/drawing/2014/main" val="747720402"/>
-                  </a:ext>
-                </a:extLst>
-              </a:tr>
-              <a:tr h="808397">
-                <a:tc>
-                  <a:txBody>
-                    <a:bodyPr/>
-                    <a:lstStyle/>
-                    <a:p>
-                      <a:pPr algn="l" fontAlgn="t"/>
-                      <a:r>
-                        <a:rPr lang="en-US" sz="1400">
-                          <a:effectLst/>
-                        </a:rPr>
-                        <a:t>Manual testing will require skilled labour, long time &amp; will imply high costs.</a:t>
-                      </a:r>
-                    </a:p>
-                  </a:txBody>
-                  <a:tcPr marL="60146" marR="60146" marT="60146" marB="60146">
-                    <a:lnL w="12700" cap="flat" cmpd="sng" algn="ctr">
-                      <a:solidFill>
-                        <a:srgbClr val="305AD0"/>
-                      </a:solidFill>
-                      <a:prstDash val="solid"/>
-                      <a:round/>
-                      <a:headEnd type="none" w="med" len="med"/>
-                      <a:tailEnd type="none" w="med" len="med"/>
-                    </a:lnL>
-                    <a:lnR w="12700" cap="flat" cmpd="sng" algn="ctr">
-                      <a:solidFill>
-                        <a:srgbClr val="1054D0"/>
-                      </a:solidFill>
-                      <a:prstDash val="solid"/>
-                      <a:round/>
-                      <a:headEnd type="none" w="med" len="med"/>
-                      <a:tailEnd type="none" w="med" len="med"/>
-                    </a:lnR>
-                    <a:lnT w="9525" cap="flat" cmpd="sng" algn="ctr">
-                      <a:solidFill>
-                        <a:srgbClr val="DDDDDD"/>
-                      </a:solidFill>
-                      <a:prstDash val="solid"/>
-                      <a:round/>
-                      <a:headEnd type="none" w="med" len="med"/>
-                      <a:tailEnd type="none" w="med" len="med"/>
-                    </a:lnT>
-                    <a:lnB w="9525" cap="flat" cmpd="sng" algn="ctr">
-                      <a:solidFill>
-                        <a:srgbClr val="DDDDDD"/>
-                      </a:solidFill>
-                      <a:prstDash val="solid"/>
-                      <a:round/>
-                      <a:headEnd type="none" w="med" len="med"/>
-                      <a:tailEnd type="none" w="med" len="med"/>
-                    </a:lnB>
-                    <a:solidFill>
-                      <a:srgbClr val="F9F9F9"/>
-                    </a:solidFill>
-                  </a:tcPr>
-                </a:tc>
-                <a:tc>
-                  <a:txBody>
-                    <a:bodyPr/>
-                    <a:lstStyle/>
-                    <a:p>
-                      <a:pPr algn="l" fontAlgn="t"/>
-                      <a:r>
-                        <a:rPr lang="en-US" sz="1400">
-                          <a:effectLst/>
-                        </a:rPr>
-                        <a:t>Automation Testing saves time, cost and manpower. Once recorded, it's easier to run an automated test suite</a:t>
-                      </a:r>
-                    </a:p>
-                  </a:txBody>
-                  <a:tcPr marL="60146" marR="60146" marT="60146" marB="60146">
-                    <a:lnL w="12700" cap="flat" cmpd="sng" algn="ctr">
-                      <a:solidFill>
-                        <a:srgbClr val="1054D0"/>
-                      </a:solidFill>
-                      <a:prstDash val="solid"/>
-                      <a:round/>
-                      <a:headEnd type="none" w="med" len="med"/>
-                      <a:tailEnd type="none" w="med" len="med"/>
-                    </a:lnL>
-                    <a:lnR w="12700" cap="flat" cmpd="sng" algn="ctr">
-                      <a:solidFill>
-                        <a:srgbClr val="B05AD0"/>
-                      </a:solidFill>
-                      <a:prstDash val="solid"/>
-                      <a:round/>
-                      <a:headEnd type="none" w="med" len="med"/>
-                      <a:tailEnd type="none" w="med" len="med"/>
-                    </a:lnR>
-                    <a:lnT w="9525" cap="flat" cmpd="sng" algn="ctr">
-                      <a:solidFill>
-                        <a:srgbClr val="DDDDDD"/>
-                      </a:solidFill>
-                      <a:prstDash val="solid"/>
-                      <a:round/>
-                      <a:headEnd type="none" w="med" len="med"/>
-                      <a:tailEnd type="none" w="med" len="med"/>
-                    </a:lnT>
-                    <a:lnB w="9525" cap="flat" cmpd="sng" algn="ctr">
-                      <a:solidFill>
-                        <a:srgbClr val="DDDDDD"/>
-                      </a:solidFill>
-                      <a:prstDash val="solid"/>
-                      <a:round/>
-                      <a:headEnd type="none" w="med" len="med"/>
-                      <a:tailEnd type="none" w="med" len="med"/>
-                    </a:lnB>
-                    <a:solidFill>
-                      <a:srgbClr val="F9F9F9"/>
-                    </a:solidFill>
-                  </a:tcPr>
-                </a:tc>
-                <a:extLst>
-                  <a:ext uri="{0D108BD9-81ED-4DB2-BD59-A6C34878D82A}">
-                    <a16:rowId xmlns:a16="http://schemas.microsoft.com/office/drawing/2014/main" val="1116308482"/>
-                  </a:ext>
-                </a:extLst>
-              </a:tr>
-              <a:tr h="1035759">
-                <a:tc>
-                  <a:txBody>
-                    <a:bodyPr/>
-                    <a:lstStyle/>
-                    <a:p>
-                      <a:pPr algn="l" fontAlgn="t"/>
-                      <a:r>
-                        <a:rPr lang="en-US" sz="1400">
-                          <a:effectLst/>
-                        </a:rPr>
-                        <a:t>Any type of application can be tested manually, certain testing types like ad-hoc and monkey testing are more suited for manual execution.</a:t>
-                      </a:r>
-                    </a:p>
-                  </a:txBody>
-                  <a:tcPr marL="60146" marR="60146" marT="60146" marB="60146">
-                    <a:lnL w="12700" cap="flat" cmpd="sng" algn="ctr">
-                      <a:solidFill>
-                        <a:srgbClr val="3053D0"/>
-                      </a:solidFill>
-                      <a:prstDash val="solid"/>
-                      <a:round/>
-                      <a:headEnd type="none" w="med" len="med"/>
-                      <a:tailEnd type="none" w="med" len="med"/>
-                    </a:lnL>
-                    <a:lnR w="12700" cap="flat" cmpd="sng" algn="ctr">
-                      <a:solidFill>
-                        <a:srgbClr val="5054D0"/>
-                      </a:solidFill>
-                      <a:prstDash val="solid"/>
-                      <a:round/>
-                      <a:headEnd type="none" w="med" len="med"/>
-                      <a:tailEnd type="none" w="med" len="med"/>
-                    </a:lnR>
-                    <a:lnT w="9525" cap="flat" cmpd="sng" algn="ctr">
-                      <a:solidFill>
-                        <a:srgbClr val="DDDDDD"/>
-                      </a:solidFill>
-                      <a:prstDash val="solid"/>
-                      <a:round/>
-                      <a:headEnd type="none" w="med" len="med"/>
-                      <a:tailEnd type="none" w="med" len="med"/>
-                    </a:lnT>
-                    <a:lnB w="9525" cap="flat" cmpd="sng" algn="ctr">
-                      <a:solidFill>
-                        <a:srgbClr val="DDDDDD"/>
-                      </a:solidFill>
-                      <a:prstDash val="solid"/>
-                      <a:round/>
-                      <a:headEnd type="none" w="med" len="med"/>
-                      <a:tailEnd type="none" w="med" len="med"/>
-                    </a:lnB>
-                    <a:solidFill>
-                      <a:srgbClr val="FFFFFF"/>
-                    </a:solidFill>
-                  </a:tcPr>
-                </a:tc>
-                <a:tc>
-                  <a:txBody>
-                    <a:bodyPr/>
-                    <a:lstStyle/>
-                    <a:p>
-                      <a:pPr algn="l" fontAlgn="t"/>
-                      <a:r>
-                        <a:rPr lang="en-US" sz="1400">
-                          <a:effectLst/>
-                        </a:rPr>
-                        <a:t>Automated testing is recommended only for stable systems and is mostly used for </a:t>
-                      </a:r>
-                      <a:r>
-                        <a:rPr lang="en-US" sz="1400" u="none" strike="noStrike">
-                          <a:solidFill>
-                            <a:srgbClr val="04B8E6"/>
-                          </a:solidFill>
-                          <a:effectLst/>
-                          <a:hlinkClick r:id="rId4"/>
-                        </a:rPr>
-                        <a:t>Regression Testing</a:t>
-                      </a:r>
-                      <a:endParaRPr lang="en-US" sz="1400">
-                        <a:effectLst/>
-                      </a:endParaRPr>
-                    </a:p>
-                  </a:txBody>
-                  <a:tcPr marL="60146" marR="60146" marT="60146" marB="60146">
-                    <a:lnL w="12700" cap="flat" cmpd="sng" algn="ctr">
-                      <a:solidFill>
-                        <a:srgbClr val="5054D0"/>
-                      </a:solidFill>
-                      <a:prstDash val="solid"/>
-                      <a:round/>
-                      <a:headEnd type="none" w="med" len="med"/>
-                      <a:tailEnd type="none" w="med" len="med"/>
-                    </a:lnL>
-                    <a:lnR w="12700" cap="flat" cmpd="sng" algn="ctr">
-                      <a:solidFill>
-                        <a:srgbClr val="105AD0"/>
-                      </a:solidFill>
-                      <a:prstDash val="solid"/>
-                      <a:round/>
-                      <a:headEnd type="none" w="med" len="med"/>
-                      <a:tailEnd type="none" w="med" len="med"/>
-                    </a:lnR>
-                    <a:lnT w="9525" cap="flat" cmpd="sng" algn="ctr">
-                      <a:solidFill>
-                        <a:srgbClr val="DDDDDD"/>
-                      </a:solidFill>
-                      <a:prstDash val="solid"/>
-                      <a:round/>
-                      <a:headEnd type="none" w="med" len="med"/>
-                      <a:tailEnd type="none" w="med" len="med"/>
-                    </a:lnT>
-                    <a:lnB w="9525" cap="flat" cmpd="sng" algn="ctr">
-                      <a:solidFill>
-                        <a:srgbClr val="DDDDDD"/>
-                      </a:solidFill>
-                      <a:prstDash val="solid"/>
-                      <a:round/>
-                      <a:headEnd type="none" w="med" len="med"/>
-                      <a:tailEnd type="none" w="med" len="med"/>
-                    </a:lnB>
-                    <a:solidFill>
-                      <a:srgbClr val="FFFFFF"/>
-                    </a:solidFill>
-                  </a:tcPr>
-                </a:tc>
-                <a:extLst>
-                  <a:ext uri="{0D108BD9-81ED-4DB2-BD59-A6C34878D82A}">
-                    <a16:rowId xmlns:a16="http://schemas.microsoft.com/office/drawing/2014/main" val="714004343"/>
-                  </a:ext>
-                </a:extLst>
-              </a:tr>
-              <a:tr h="808397">
-                <a:tc>
-                  <a:txBody>
-                    <a:bodyPr/>
-                    <a:lstStyle/>
-                    <a:p>
-                      <a:pPr algn="l" fontAlgn="t"/>
-                      <a:r>
-                        <a:rPr lang="en-US" sz="1400">
-                          <a:effectLst/>
-                        </a:rPr>
-                        <a:t>Manual testing can become repetitive and boring.</a:t>
-                      </a:r>
-                    </a:p>
-                  </a:txBody>
-                  <a:tcPr marL="60146" marR="60146" marT="60146" marB="60146">
-                    <a:lnL w="12700" cap="flat" cmpd="sng" algn="ctr">
-                      <a:solidFill>
-                        <a:srgbClr val="505ED0"/>
-                      </a:solidFill>
-                      <a:prstDash val="solid"/>
-                      <a:round/>
-                      <a:headEnd type="none" w="med" len="med"/>
-                      <a:tailEnd type="none" w="med" len="med"/>
-                    </a:lnL>
-                    <a:lnR w="12700" cap="flat" cmpd="sng" algn="ctr">
-                      <a:solidFill>
-                        <a:srgbClr val="D05BD0"/>
-                      </a:solidFill>
-                      <a:prstDash val="solid"/>
-                      <a:round/>
-                      <a:headEnd type="none" w="med" len="med"/>
-                      <a:tailEnd type="none" w="med" len="med"/>
-                    </a:lnR>
-                    <a:lnT w="9525" cap="flat" cmpd="sng" algn="ctr">
-                      <a:solidFill>
-                        <a:srgbClr val="DDDDDD"/>
-                      </a:solidFill>
-                      <a:prstDash val="solid"/>
-                      <a:round/>
-                      <a:headEnd type="none" w="med" len="med"/>
-                      <a:tailEnd type="none" w="med" len="med"/>
-                    </a:lnT>
-                    <a:lnB w="12700" cap="flat" cmpd="sng" algn="ctr">
-                      <a:solidFill>
-                        <a:srgbClr val="D060D0"/>
-                      </a:solidFill>
-                      <a:prstDash val="solid"/>
-                      <a:round/>
-                      <a:headEnd type="none" w="med" len="med"/>
-                      <a:tailEnd type="none" w="med" len="med"/>
-                    </a:lnB>
-                    <a:solidFill>
-                      <a:srgbClr val="F9F9F9"/>
-                    </a:solidFill>
-                  </a:tcPr>
-                </a:tc>
-                <a:tc>
-                  <a:txBody>
-                    <a:bodyPr/>
-                    <a:lstStyle/>
-                    <a:p>
-                      <a:pPr algn="l" fontAlgn="t"/>
-                      <a:r>
-                        <a:rPr lang="en-US" sz="1400" dirty="0">
-                          <a:effectLst/>
-                        </a:rPr>
-                        <a:t>The boring part of executing same test cases time and again is handled by automation software in Automation Testing.</a:t>
-                      </a:r>
-                    </a:p>
-                  </a:txBody>
-                  <a:tcPr marL="60146" marR="60146" marT="60146" marB="60146">
-                    <a:lnL w="12700" cap="flat" cmpd="sng" algn="ctr">
-                      <a:solidFill>
-                        <a:srgbClr val="D05BD0"/>
-                      </a:solidFill>
-                      <a:prstDash val="solid"/>
-                      <a:round/>
-                      <a:headEnd type="none" w="med" len="med"/>
-                      <a:tailEnd type="none" w="med" len="med"/>
-                    </a:lnL>
-                    <a:lnR w="12700" cap="flat" cmpd="sng" algn="ctr">
-                      <a:solidFill>
-                        <a:srgbClr val="905CD0"/>
-                      </a:solidFill>
-                      <a:prstDash val="solid"/>
-                      <a:round/>
-                      <a:headEnd type="none" w="med" len="med"/>
-                      <a:tailEnd type="none" w="med" len="med"/>
-                    </a:lnR>
-                    <a:lnT w="9525" cap="flat" cmpd="sng" algn="ctr">
-                      <a:solidFill>
-                        <a:srgbClr val="DDDDDD"/>
-                      </a:solidFill>
-                      <a:prstDash val="solid"/>
-                      <a:round/>
-                      <a:headEnd type="none" w="med" len="med"/>
-                      <a:tailEnd type="none" w="med" len="med"/>
-                    </a:lnT>
-                    <a:lnB w="12700" cap="flat" cmpd="sng" algn="ctr">
-                      <a:solidFill>
-                        <a:srgbClr val="305BD0"/>
-                      </a:solidFill>
-                      <a:prstDash val="solid"/>
-                      <a:round/>
-                      <a:headEnd type="none" w="med" len="med"/>
-                      <a:tailEnd type="none" w="med" len="med"/>
-                    </a:lnB>
-                    <a:solidFill>
-                      <a:srgbClr val="F9F9F9"/>
-                    </a:solidFill>
-                  </a:tcPr>
-                </a:tc>
-                <a:extLst>
-                  <a:ext uri="{0D108BD9-81ED-4DB2-BD59-A6C34878D82A}">
-                    <a16:rowId xmlns:a16="http://schemas.microsoft.com/office/drawing/2014/main" val="2616881380"/>
-                  </a:ext>
-                </a:extLst>
-              </a:tr>
-            </a:tbl>
-          </a:graphicData>
-        </a:graphic>
-      </p:graphicFrame>
-    </p:spTree>
-    <p:extLst>
-      <p:ext uri="{BB962C8B-B14F-4D97-AF65-F5344CB8AC3E}">
-        <p14:creationId xmlns:p14="http://schemas.microsoft.com/office/powerpoint/2010/main" val="1655173069"/>
-      </p:ext>
-    </p:extLst>
-  </p:cSld>
-  <p:clrMapOvr>
-    <a:masterClrMapping/>
-  </p:clrMapOvr>
-  <p:timing>
-    <p:tnLst>
-      <p:par>
-        <p:cTn id="1" dur="indefinite" restart="never" nodeType="tmRoot"/>
-      </p:par>
-    </p:tnLst>
-  </p:timing>
-</p:sld>
-</file>
-
-<file path=ppt/slides/slide31.xml><?xml version="1.0" encoding="utf-8"?>
-<p:sld xmlns:a="http://schemas.openxmlformats.org/drawingml/2006/main" xmlns:r="http://schemas.openxmlformats.org/officeDocument/2006/relationships" xmlns:p="http://schemas.openxmlformats.org/presentationml/2006/main">
-  <p:cSld>
-    <p:spTree>
-      <p:nvGrpSpPr>
-        <p:cNvPr id="1" name=""/>
-        <p:cNvGrpSpPr/>
-        <p:nvPr/>
-      </p:nvGrpSpPr>
-      <p:grpSpPr>
-        <a:xfrm>
-          <a:off x="0" y="0"/>
-          <a:ext cx="0" cy="0"/>
-          <a:chOff x="0" y="0"/>
-          <a:chExt cx="0" cy="0"/>
-        </a:xfrm>
-      </p:grpSpPr>
-      <p:sp>
-        <p:nvSpPr>
-          <p:cNvPr id="2" name="Title 1"/>
-          <p:cNvSpPr>
-            <a:spLocks noGrp="1"/>
-          </p:cNvSpPr>
-          <p:nvPr>
-            <p:ph type="title"/>
-          </p:nvPr>
-        </p:nvSpPr>
-        <p:spPr>
-          <a:xfrm>
-            <a:off x="4285014" y="1028069"/>
-            <a:ext cx="4354893" cy="706964"/>
-          </a:xfrm>
-        </p:spPr>
-        <p:txBody>
-          <a:bodyPr/>
-          <a:lstStyle/>
-          <a:p>
-            <a:r>
-              <a:rPr lang="tr-TR" dirty="0" smtClean="0"/>
-              <a:t>LAB – GIT, GITHUB</a:t>
-            </a:r>
-            <a:endParaRPr lang="en-US" dirty="0"/>
-          </a:p>
-        </p:txBody>
-      </p:sp>
-      <p:sp>
-        <p:nvSpPr>
-          <p:cNvPr id="3" name="Slide Number Placeholder 2"/>
-          <p:cNvSpPr>
-            <a:spLocks noGrp="1"/>
-          </p:cNvSpPr>
-          <p:nvPr>
-            <p:ph type="sldNum" sz="quarter" idx="12"/>
-          </p:nvPr>
-        </p:nvSpPr>
-        <p:spPr/>
-        <p:txBody>
-          <a:bodyPr/>
-          <a:lstStyle/>
-          <a:p>
-            <a:fld id="{9FF96B15-8338-45D5-A943-561235072D66}" type="slidenum">
-              <a:rPr lang="en-US" noProof="0" smtClean="0"/>
-              <a:t>31</a:t>
             </a:fld>
             <a:endParaRPr lang="en-US" noProof="0" dirty="0"/>
           </a:p>
@@ -47307,7 +45110,7 @@
 </p:sld>
 </file>
 
-<file path=ppt/slides/slide32.xml><?xml version="1.0" encoding="utf-8"?>
+<file path=ppt/slides/slide28.xml><?xml version="1.0" encoding="utf-8"?>
 <p:sld xmlns:a="http://schemas.openxmlformats.org/drawingml/2006/main" xmlns:r="http://schemas.openxmlformats.org/officeDocument/2006/relationships" xmlns:p="http://schemas.openxmlformats.org/presentationml/2006/main">
   <p:cSld>
     <p:spTree>
@@ -47369,7 +45172,7 @@
           <a:p>
             <a:fld id="{9FF96B15-8338-45D5-A943-561235072D66}" type="slidenum">
               <a:rPr lang="en-US" noProof="0" smtClean="0"/>
-              <a:t>32</a:t>
+              <a:t>28</a:t>
             </a:fld>
             <a:endParaRPr lang="en-US" noProof="0" dirty="0"/>
           </a:p>
@@ -47431,7 +45234,7 @@
 </p:sld>
 </file>
 
-<file path=ppt/slides/slide33.xml><?xml version="1.0" encoding="utf-8"?>
+<file path=ppt/slides/slide29.xml><?xml version="1.0" encoding="utf-8"?>
 <p:sld xmlns:a="http://schemas.openxmlformats.org/drawingml/2006/main" xmlns:r="http://schemas.openxmlformats.org/officeDocument/2006/relationships" xmlns:p="http://schemas.openxmlformats.org/presentationml/2006/main">
   <p:cSld>
     <p:spTree>
@@ -47509,7 +45312,7 @@
           <a:p>
             <a:fld id="{9FF96B15-8338-45D5-A943-561235072D66}" type="slidenum">
               <a:rPr lang="en-US" noProof="0" smtClean="0"/>
-              <a:t>33</a:t>
+              <a:t>29</a:t>
             </a:fld>
             <a:endParaRPr lang="en-US" noProof="0" dirty="0"/>
           </a:p>
@@ -47552,7 +45355,550 @@
 </p:sld>
 </file>
 
-<file path=ppt/slides/slide34.xml><?xml version="1.0" encoding="utf-8"?>
+<file path=ppt/slides/slide3.xml><?xml version="1.0" encoding="utf-8"?>
+<p:sld xmlns:a="http://schemas.openxmlformats.org/drawingml/2006/main" xmlns:r="http://schemas.openxmlformats.org/officeDocument/2006/relationships" xmlns:p="http://schemas.openxmlformats.org/presentationml/2006/main">
+  <p:cSld>
+    <p:spTree>
+      <p:nvGrpSpPr>
+        <p:cNvPr id="1" name=""/>
+        <p:cNvGrpSpPr/>
+        <p:nvPr/>
+      </p:nvGrpSpPr>
+      <p:grpSpPr>
+        <a:xfrm>
+          <a:off x="0" y="0"/>
+          <a:ext cx="0" cy="0"/>
+          <a:chOff x="0" y="0"/>
+          <a:chExt cx="0" cy="0"/>
+        </a:xfrm>
+      </p:grpSpPr>
+      <p:sp>
+        <p:nvSpPr>
+          <p:cNvPr id="12" name="Title 11"/>
+          <p:cNvSpPr>
+            <a:spLocks noGrp="1"/>
+          </p:cNvSpPr>
+          <p:nvPr>
+            <p:ph type="title"/>
+          </p:nvPr>
+        </p:nvSpPr>
+        <p:spPr/>
+        <p:txBody>
+          <a:bodyPr/>
+          <a:lstStyle/>
+          <a:p>
+            <a:r>
+              <a:rPr lang="tr-TR" dirty="0" smtClean="0"/>
+              <a:t>Konular</a:t>
+            </a:r>
+            <a:endParaRPr lang="en-US" dirty="0"/>
+          </a:p>
+        </p:txBody>
+      </p:sp>
+      <p:sp>
+        <p:nvSpPr>
+          <p:cNvPr id="5" name="Slide Number Placeholder 4"/>
+          <p:cNvSpPr>
+            <a:spLocks noGrp="1"/>
+          </p:cNvSpPr>
+          <p:nvPr>
+            <p:ph type="sldNum" sz="quarter" idx="12"/>
+          </p:nvPr>
+        </p:nvSpPr>
+        <p:spPr/>
+        <p:txBody>
+          <a:bodyPr/>
+          <a:lstStyle/>
+          <a:p>
+            <a:fld id="{9FF96B15-8338-45D5-A943-561235072D66}" type="slidenum">
+              <a:rPr lang="en-US" noProof="0" smtClean="0"/>
+              <a:t>3</a:t>
+            </a:fld>
+            <a:endParaRPr lang="en-US" noProof="0" dirty="0"/>
+          </a:p>
+        </p:txBody>
+      </p:sp>
+      <p:sp>
+        <p:nvSpPr>
+          <p:cNvPr id="35" name="Text Placeholder 15"/>
+          <p:cNvSpPr>
+            <a:spLocks noGrp="1"/>
+          </p:cNvSpPr>
+          <p:nvPr>
+            <p:ph type="body" sz="quarter" idx="16"/>
+          </p:nvPr>
+        </p:nvSpPr>
+        <p:spPr>
+          <a:xfrm>
+            <a:off x="5870575" y="392970"/>
+            <a:ext cx="3852000" cy="337053"/>
+          </a:xfrm>
+        </p:spPr>
+        <p:txBody>
+          <a:bodyPr>
+            <a:normAutofit fontScale="77500" lnSpcReduction="20000"/>
+          </a:bodyPr>
+          <a:lstStyle/>
+          <a:p>
+            <a:r>
+              <a:rPr lang="tr-TR" dirty="0" smtClean="0"/>
+              <a:t>Test nedir?  Kalite nedir?</a:t>
+            </a:r>
+            <a:endParaRPr lang="en-US" dirty="0"/>
+          </a:p>
+        </p:txBody>
+      </p:sp>
+      <p:sp>
+        <p:nvSpPr>
+          <p:cNvPr id="48" name="Text Placeholder 15"/>
+          <p:cNvSpPr>
+            <a:spLocks noGrp="1"/>
+          </p:cNvSpPr>
+          <p:nvPr>
+            <p:ph type="body" sz="quarter" idx="16"/>
+          </p:nvPr>
+        </p:nvSpPr>
+        <p:spPr>
+          <a:xfrm>
+            <a:off x="5284250" y="819759"/>
+            <a:ext cx="3852000" cy="337053"/>
+          </a:xfrm>
+        </p:spPr>
+        <p:txBody>
+          <a:bodyPr>
+            <a:normAutofit fontScale="77500" lnSpcReduction="20000"/>
+          </a:bodyPr>
+          <a:lstStyle/>
+          <a:p>
+            <a:r>
+              <a:rPr lang="tr-TR" dirty="0" smtClean="0"/>
+              <a:t>Yazılım Test metodolojileri</a:t>
+            </a:r>
+            <a:endParaRPr lang="en-US" dirty="0"/>
+          </a:p>
+        </p:txBody>
+      </p:sp>
+      <p:sp>
+        <p:nvSpPr>
+          <p:cNvPr id="49" name="Text Placeholder 15"/>
+          <p:cNvSpPr>
+            <a:spLocks noGrp="1"/>
+          </p:cNvSpPr>
+          <p:nvPr>
+            <p:ph type="body" sz="quarter" idx="16"/>
+          </p:nvPr>
+        </p:nvSpPr>
+        <p:spPr>
+          <a:xfrm>
+            <a:off x="6056226" y="1246410"/>
+            <a:ext cx="3852000" cy="337053"/>
+          </a:xfrm>
+        </p:spPr>
+        <p:txBody>
+          <a:bodyPr>
+            <a:normAutofit fontScale="77500" lnSpcReduction="20000"/>
+          </a:bodyPr>
+          <a:lstStyle/>
+          <a:p>
+            <a:r>
+              <a:rPr lang="tr-TR" dirty="0" err="1" smtClean="0"/>
+              <a:t>Unit</a:t>
+            </a:r>
+            <a:r>
+              <a:rPr lang="tr-TR" dirty="0" smtClean="0"/>
+              <a:t> (Birim) Test - </a:t>
+            </a:r>
+            <a:r>
+              <a:rPr lang="tr-TR" dirty="0" err="1" smtClean="0"/>
+              <a:t>JUnit</a:t>
+            </a:r>
+            <a:endParaRPr lang="en-US" dirty="0"/>
+          </a:p>
+        </p:txBody>
+      </p:sp>
+      <p:sp>
+        <p:nvSpPr>
+          <p:cNvPr id="50" name="Text Placeholder 15"/>
+          <p:cNvSpPr>
+            <a:spLocks noGrp="1"/>
+          </p:cNvSpPr>
+          <p:nvPr>
+            <p:ph type="body" sz="quarter" idx="16"/>
+          </p:nvPr>
+        </p:nvSpPr>
+        <p:spPr>
+          <a:xfrm>
+            <a:off x="5292563" y="1673130"/>
+            <a:ext cx="3852000" cy="337053"/>
+          </a:xfrm>
+        </p:spPr>
+        <p:txBody>
+          <a:bodyPr>
+            <a:normAutofit fontScale="77500" lnSpcReduction="20000"/>
+          </a:bodyPr>
+          <a:lstStyle/>
+          <a:p>
+            <a:r>
+              <a:rPr lang="tr-TR" dirty="0" smtClean="0"/>
+              <a:t>Test seviyeleri – </a:t>
+            </a:r>
+            <a:r>
+              <a:rPr lang="tr-TR" dirty="0" err="1" smtClean="0"/>
+              <a:t>Junit</a:t>
+            </a:r>
+            <a:r>
+              <a:rPr lang="tr-TR" dirty="0" smtClean="0"/>
+              <a:t> </a:t>
+            </a:r>
+            <a:r>
+              <a:rPr lang="tr-TR" dirty="0" err="1" smtClean="0"/>
+              <a:t>Covarage</a:t>
+            </a:r>
+            <a:endParaRPr lang="en-US" dirty="0"/>
+          </a:p>
+        </p:txBody>
+      </p:sp>
+      <p:sp>
+        <p:nvSpPr>
+          <p:cNvPr id="51" name="Text Placeholder 15"/>
+          <p:cNvSpPr>
+            <a:spLocks noGrp="1"/>
+          </p:cNvSpPr>
+          <p:nvPr>
+            <p:ph type="body" sz="quarter" idx="16"/>
+          </p:nvPr>
+        </p:nvSpPr>
+        <p:spPr>
+          <a:xfrm>
+            <a:off x="6056226" y="2079886"/>
+            <a:ext cx="3852000" cy="337053"/>
+          </a:xfrm>
+        </p:spPr>
+        <p:txBody>
+          <a:bodyPr>
+            <a:normAutofit fontScale="77500" lnSpcReduction="20000"/>
+          </a:bodyPr>
+          <a:lstStyle/>
+          <a:p>
+            <a:r>
+              <a:rPr lang="tr-TR" dirty="0" smtClean="0"/>
+              <a:t>Test </a:t>
+            </a:r>
+            <a:r>
+              <a:rPr lang="tr-TR" dirty="0" err="1" smtClean="0"/>
+              <a:t>case</a:t>
+            </a:r>
+            <a:r>
+              <a:rPr lang="tr-TR" dirty="0" smtClean="0"/>
+              <a:t> dizayn teknikleri</a:t>
+            </a:r>
+            <a:endParaRPr lang="en-US" dirty="0"/>
+          </a:p>
+        </p:txBody>
+      </p:sp>
+      <p:sp>
+        <p:nvSpPr>
+          <p:cNvPr id="52" name="Text Placeholder 15"/>
+          <p:cNvSpPr>
+            <a:spLocks noGrp="1"/>
+          </p:cNvSpPr>
+          <p:nvPr>
+            <p:ph type="body" sz="quarter" idx="16"/>
+          </p:nvPr>
+        </p:nvSpPr>
+        <p:spPr>
+          <a:xfrm>
+            <a:off x="5292563" y="2473424"/>
+            <a:ext cx="3852000" cy="337053"/>
+          </a:xfrm>
+        </p:spPr>
+        <p:txBody>
+          <a:bodyPr>
+            <a:normAutofit fontScale="77500" lnSpcReduction="20000"/>
+          </a:bodyPr>
+          <a:lstStyle/>
+          <a:p>
+            <a:r>
+              <a:rPr lang="tr-TR" dirty="0" smtClean="0"/>
+              <a:t>Test strateji</a:t>
+            </a:r>
+            <a:endParaRPr lang="en-US" dirty="0"/>
+          </a:p>
+        </p:txBody>
+      </p:sp>
+      <p:sp>
+        <p:nvSpPr>
+          <p:cNvPr id="53" name="Text Placeholder 15"/>
+          <p:cNvSpPr>
+            <a:spLocks noGrp="1"/>
+          </p:cNvSpPr>
+          <p:nvPr>
+            <p:ph type="body" sz="quarter" idx="16"/>
+          </p:nvPr>
+        </p:nvSpPr>
+        <p:spPr>
+          <a:xfrm>
+            <a:off x="6056226" y="2901779"/>
+            <a:ext cx="3852000" cy="337053"/>
+          </a:xfrm>
+        </p:spPr>
+        <p:txBody>
+          <a:bodyPr>
+            <a:normAutofit fontScale="77500" lnSpcReduction="20000"/>
+          </a:bodyPr>
+          <a:lstStyle/>
+          <a:p>
+            <a:r>
+              <a:rPr lang="tr-TR" dirty="0" smtClean="0"/>
+              <a:t>Çevik Yazılım – Farklı Alanlarda Test</a:t>
+            </a:r>
+            <a:endParaRPr lang="en-US" dirty="0"/>
+          </a:p>
+        </p:txBody>
+      </p:sp>
+      <p:sp>
+        <p:nvSpPr>
+          <p:cNvPr id="54" name="Text Placeholder 15"/>
+          <p:cNvSpPr>
+            <a:spLocks noGrp="1"/>
+          </p:cNvSpPr>
+          <p:nvPr>
+            <p:ph type="body" sz="quarter" idx="16"/>
+          </p:nvPr>
+        </p:nvSpPr>
+        <p:spPr>
+          <a:xfrm>
+            <a:off x="5284250" y="3310238"/>
+            <a:ext cx="3852000" cy="337053"/>
+          </a:xfrm>
+        </p:spPr>
+        <p:txBody>
+          <a:bodyPr>
+            <a:normAutofit fontScale="77500" lnSpcReduction="20000"/>
+          </a:bodyPr>
+          <a:lstStyle/>
+          <a:p>
+            <a:r>
+              <a:rPr lang="tr-TR" dirty="0" smtClean="0"/>
+              <a:t>API Testleri</a:t>
+            </a:r>
+            <a:endParaRPr lang="en-US" dirty="0"/>
+          </a:p>
+        </p:txBody>
+      </p:sp>
+      <p:sp>
+        <p:nvSpPr>
+          <p:cNvPr id="55" name="Text Placeholder 15"/>
+          <p:cNvSpPr>
+            <a:spLocks noGrp="1"/>
+          </p:cNvSpPr>
+          <p:nvPr>
+            <p:ph type="body" sz="quarter" idx="16"/>
+          </p:nvPr>
+        </p:nvSpPr>
+        <p:spPr>
+          <a:xfrm>
+            <a:off x="6056226" y="3738593"/>
+            <a:ext cx="3852000" cy="337053"/>
+          </a:xfrm>
+        </p:spPr>
+        <p:txBody>
+          <a:bodyPr>
+            <a:normAutofit fontScale="77500" lnSpcReduction="20000"/>
+          </a:bodyPr>
+          <a:lstStyle/>
+          <a:p>
+            <a:r>
+              <a:rPr lang="tr-TR" dirty="0" smtClean="0"/>
+              <a:t>Performans Testleri</a:t>
+            </a:r>
+            <a:endParaRPr lang="en-US" dirty="0"/>
+          </a:p>
+        </p:txBody>
+      </p:sp>
+      <p:sp>
+        <p:nvSpPr>
+          <p:cNvPr id="56" name="Text Placeholder 15"/>
+          <p:cNvSpPr>
+            <a:spLocks noGrp="1"/>
+          </p:cNvSpPr>
+          <p:nvPr>
+            <p:ph type="body" sz="quarter" idx="16"/>
+          </p:nvPr>
+        </p:nvSpPr>
+        <p:spPr>
+          <a:xfrm>
+            <a:off x="5292563" y="4191886"/>
+            <a:ext cx="3852000" cy="337053"/>
+          </a:xfrm>
+        </p:spPr>
+        <p:txBody>
+          <a:bodyPr>
+            <a:normAutofit fontScale="77500" lnSpcReduction="20000"/>
+          </a:bodyPr>
+          <a:lstStyle/>
+          <a:p>
+            <a:r>
+              <a:rPr lang="tr-TR" dirty="0" smtClean="0"/>
+              <a:t>UI/UX Testleri</a:t>
+            </a:r>
+            <a:endParaRPr lang="en-US" dirty="0"/>
+          </a:p>
+        </p:txBody>
+      </p:sp>
+      <p:sp>
+        <p:nvSpPr>
+          <p:cNvPr id="57" name="Text Placeholder 15"/>
+          <p:cNvSpPr>
+            <a:spLocks noGrp="1"/>
+          </p:cNvSpPr>
+          <p:nvPr>
+            <p:ph type="body" sz="quarter" idx="16"/>
+          </p:nvPr>
+        </p:nvSpPr>
+        <p:spPr>
+          <a:xfrm>
+            <a:off x="6056226" y="4643544"/>
+            <a:ext cx="3852000" cy="337053"/>
+          </a:xfrm>
+        </p:spPr>
+        <p:txBody>
+          <a:bodyPr>
+            <a:normAutofit fontScale="77500" lnSpcReduction="20000"/>
+          </a:bodyPr>
+          <a:lstStyle/>
+          <a:p>
+            <a:r>
+              <a:rPr lang="tr-TR" dirty="0" smtClean="0"/>
+              <a:t>Test Otomasyona Giriş </a:t>
+            </a:r>
+            <a:r>
+              <a:rPr lang="tr-TR" dirty="0" err="1" smtClean="0"/>
+              <a:t>Selenium</a:t>
+            </a:r>
+            <a:r>
+              <a:rPr lang="tr-TR" dirty="0" smtClean="0"/>
+              <a:t> IDE</a:t>
+            </a:r>
+            <a:endParaRPr lang="en-US" dirty="0"/>
+          </a:p>
+        </p:txBody>
+      </p:sp>
+      <p:sp>
+        <p:nvSpPr>
+          <p:cNvPr id="58" name="Text Placeholder 15"/>
+          <p:cNvSpPr>
+            <a:spLocks noGrp="1"/>
+          </p:cNvSpPr>
+          <p:nvPr>
+            <p:ph type="body" sz="quarter" idx="16"/>
+          </p:nvPr>
+        </p:nvSpPr>
+        <p:spPr>
+          <a:xfrm>
+            <a:off x="5292563" y="5073534"/>
+            <a:ext cx="3852000" cy="337053"/>
+          </a:xfrm>
+        </p:spPr>
+        <p:txBody>
+          <a:bodyPr>
+            <a:normAutofit fontScale="77500" lnSpcReduction="20000"/>
+          </a:bodyPr>
+          <a:lstStyle/>
+          <a:p>
+            <a:r>
+              <a:rPr lang="tr-TR" dirty="0" err="1" smtClean="0"/>
+              <a:t>Selenium</a:t>
+            </a:r>
+            <a:r>
+              <a:rPr lang="tr-TR" dirty="0" smtClean="0"/>
+              <a:t> Web Driver</a:t>
+            </a:r>
+            <a:endParaRPr lang="en-US" dirty="0"/>
+          </a:p>
+        </p:txBody>
+      </p:sp>
+      <p:sp>
+        <p:nvSpPr>
+          <p:cNvPr id="59" name="Text Placeholder 15"/>
+          <p:cNvSpPr>
+            <a:spLocks noGrp="1"/>
+          </p:cNvSpPr>
+          <p:nvPr>
+            <p:ph type="body" sz="quarter" idx="16"/>
+          </p:nvPr>
+        </p:nvSpPr>
+        <p:spPr>
+          <a:xfrm>
+            <a:off x="6097026" y="5525192"/>
+            <a:ext cx="3852000" cy="337053"/>
+          </a:xfrm>
+        </p:spPr>
+        <p:txBody>
+          <a:bodyPr>
+            <a:normAutofit fontScale="77500" lnSpcReduction="20000"/>
+          </a:bodyPr>
+          <a:lstStyle/>
+          <a:p>
+            <a:r>
+              <a:rPr lang="tr-TR" dirty="0" smtClean="0"/>
+              <a:t>Mobil Test Otomasyonu</a:t>
+            </a:r>
+            <a:endParaRPr lang="en-US" dirty="0"/>
+          </a:p>
+        </p:txBody>
+      </p:sp>
+      <p:sp>
+        <p:nvSpPr>
+          <p:cNvPr id="60" name="Text Placeholder 15"/>
+          <p:cNvSpPr>
+            <a:spLocks noGrp="1"/>
+          </p:cNvSpPr>
+          <p:nvPr>
+            <p:ph type="body" sz="quarter" idx="16"/>
+          </p:nvPr>
+        </p:nvSpPr>
+        <p:spPr>
+          <a:xfrm>
+            <a:off x="5292563" y="5988433"/>
+            <a:ext cx="3852000" cy="337053"/>
+          </a:xfrm>
+        </p:spPr>
+        <p:txBody>
+          <a:bodyPr>
+            <a:normAutofit fontScale="77500" lnSpcReduction="20000"/>
+          </a:bodyPr>
+          <a:lstStyle/>
+          <a:p>
+            <a:r>
+              <a:rPr lang="tr-TR" dirty="0" err="1" smtClean="0"/>
+              <a:t>Appium</a:t>
+            </a:r>
+            <a:endParaRPr lang="en-US" dirty="0"/>
+          </a:p>
+        </p:txBody>
+      </p:sp>
+    </p:spTree>
+    <p:extLst>
+      <p:ext uri="{BB962C8B-B14F-4D97-AF65-F5344CB8AC3E}">
+        <p14:creationId xmlns:p14="http://schemas.microsoft.com/office/powerpoint/2010/main" val="3132226757"/>
+      </p:ext>
+    </p:extLst>
+  </p:cSld>
+  <p:clrMapOvr>
+    <a:masterClrMapping/>
+  </p:clrMapOvr>
+  <p:timing>
+    <p:tnLst>
+      <p:par>
+        <p:cTn id="1" dur="indefinite" restart="never" nodeType="tmRoot"/>
+      </p:par>
+    </p:tnLst>
+  </p:timing>
+</p:sld>
+</file>
+
+<file path=ppt/slides/slide30.xml><?xml version="1.0" encoding="utf-8"?>
 <p:sld xmlns:a="http://schemas.openxmlformats.org/drawingml/2006/main" xmlns:r="http://schemas.openxmlformats.org/officeDocument/2006/relationships" xmlns:p="http://schemas.openxmlformats.org/presentationml/2006/main">
   <p:cSld>
     <p:spTree>
@@ -47618,7 +45964,7 @@
           <a:p>
             <a:fld id="{9FF96B15-8338-45D5-A943-561235072D66}" type="slidenum">
               <a:rPr lang="en-US" noProof="0" smtClean="0"/>
-              <a:t>34</a:t>
+              <a:t>30</a:t>
             </a:fld>
             <a:endParaRPr lang="en-US" noProof="0" dirty="0"/>
           </a:p>
@@ -51380,6 +49726,14 @@
 </file>
 
 <file path=customXml/item1.xml><?xml version="1.0" encoding="utf-8"?>
+<p:properties xmlns:p="http://schemas.microsoft.com/office/2006/metadata/properties" xmlns:xsi="http://www.w3.org/2001/XMLSchema-instance" xmlns:pc="http://schemas.microsoft.com/office/infopath/2007/PartnerControls">
+  <documentManagement>
+    <MediaServiceKeyPoints xmlns="71af3243-3dd4-4a8d-8c0d-dd76da1f02a5" xsi:nil="true"/>
+  </documentManagement>
+</p:properties>
+</file>
+
+<file path=customXml/item2.xml><?xml version="1.0" encoding="utf-8"?>
 <ct:contentTypeSchema xmlns:ct="http://schemas.microsoft.com/office/2006/metadata/contentType" xmlns:ma="http://schemas.microsoft.com/office/2006/metadata/properties/metaAttributes" ct:_="" ma:_="" ma:contentTypeName="Document" ma:contentTypeID="0x01010079F111ED35F8CC479449609E8A0923A6" ma:contentTypeVersion="11" ma:contentTypeDescription="Create a new document." ma:contentTypeScope="" ma:versionID="96291512c1ee715ab617f4c07df79fc1">
   <xsd:schema xmlns:xsd="http://www.w3.org/2001/XMLSchema" xmlns:xs="http://www.w3.org/2001/XMLSchema" xmlns:p="http://schemas.microsoft.com/office/2006/metadata/properties" xmlns:ns2="71af3243-3dd4-4a8d-8c0d-dd76da1f02a5" xmlns:ns3="16c05727-aa75-4e4a-9b5f-8a80a1165891" targetNamespace="http://schemas.microsoft.com/office/2006/metadata/properties" ma:root="true" ma:fieldsID="8256c27c40ca5c40ce1cf6c44f0205df" ns2:_="" ns3:_="">
     <xsd:import namespace="71af3243-3dd4-4a8d-8c0d-dd76da1f02a5"/>
@@ -51590,14 +49944,6 @@
 </ct:contentTypeSchema>
 </file>
 
-<file path=customXml/item2.xml><?xml version="1.0" encoding="utf-8"?>
-<p:properties xmlns:p="http://schemas.microsoft.com/office/2006/metadata/properties" xmlns:xsi="http://www.w3.org/2001/XMLSchema-instance" xmlns:pc="http://schemas.microsoft.com/office/infopath/2007/PartnerControls">
-  <documentManagement>
-    <MediaServiceKeyPoints xmlns="71af3243-3dd4-4a8d-8c0d-dd76da1f02a5" xsi:nil="true"/>
-  </documentManagement>
-</p:properties>
-</file>
-
 <file path=customXml/item3.xml><?xml version="1.0" encoding="utf-8"?>
 <?mso-contentType ?>
 <FormTemplates xmlns="http://schemas.microsoft.com/sharepoint/v3/contenttype/forms">
@@ -51608,6 +49954,16 @@
 </file>
 
 <file path=customXml/itemProps1.xml><?xml version="1.0" encoding="utf-8"?>
+<ds:datastoreItem xmlns:ds="http://schemas.openxmlformats.org/officeDocument/2006/customXml" ds:itemID="{F983CA34-C6E2-49BA-ACFF-78ADEC0C28FA}">
+  <ds:schemaRefs>
+    <ds:schemaRef ds:uri="http://schemas.microsoft.com/office/2006/metadata/properties"/>
+    <ds:schemaRef ds:uri="http://schemas.microsoft.com/office/infopath/2007/PartnerControls"/>
+    <ds:schemaRef ds:uri="71af3243-3dd4-4a8d-8c0d-dd76da1f02a5"/>
+  </ds:schemaRefs>
+</ds:datastoreItem>
+</file>
+
+<file path=customXml/itemProps2.xml><?xml version="1.0" encoding="utf-8"?>
 <ds:datastoreItem xmlns:ds="http://schemas.openxmlformats.org/officeDocument/2006/customXml" ds:itemID="{570D0EAE-52CD-493E-A174-3A7CD0E9C7B2}">
   <ds:schemaRefs>
     <ds:schemaRef ds:uri="http://schemas.microsoft.com/office/2006/metadata/contentType"/>
@@ -51626,16 +49982,6 @@
 </ds:datastoreItem>
 </file>
 
-<file path=customXml/itemProps2.xml><?xml version="1.0" encoding="utf-8"?>
-<ds:datastoreItem xmlns:ds="http://schemas.openxmlformats.org/officeDocument/2006/customXml" ds:itemID="{F983CA34-C6E2-49BA-ACFF-78ADEC0C28FA}">
-  <ds:schemaRefs>
-    <ds:schemaRef ds:uri="http://schemas.microsoft.com/office/2006/metadata/properties"/>
-    <ds:schemaRef ds:uri="http://schemas.microsoft.com/office/infopath/2007/PartnerControls"/>
-    <ds:schemaRef ds:uri="71af3243-3dd4-4a8d-8c0d-dd76da1f02a5"/>
-  </ds:schemaRefs>
-</ds:datastoreItem>
-</file>
-
 <file path=customXml/itemProps3.xml><?xml version="1.0" encoding="utf-8"?>
 <ds:datastoreItem xmlns:ds="http://schemas.openxmlformats.org/officeDocument/2006/customXml" ds:itemID="{CCB9AE35-8A31-4380-94A6-86E5DFCDD123}">
   <ds:schemaRefs>
